--- a/DocEasy.pptx
+++ b/DocEasy.pptx
@@ -5,21 +5,23 @@
     <p:sldMasterId id="2147483648" r:id="rId4"/>
   </p:sldMasterIdLst>
   <p:notesMasterIdLst>
-    <p:notesMasterId r:id="rId14"/>
+    <p:notesMasterId r:id="rId16"/>
   </p:notesMasterIdLst>
   <p:handoutMasterIdLst>
-    <p:handoutMasterId r:id="rId15"/>
+    <p:handoutMasterId r:id="rId17"/>
   </p:handoutMasterIdLst>
   <p:sldIdLst>
     <p:sldId id="256" r:id="rId5"/>
     <p:sldId id="258" r:id="rId6"/>
-    <p:sldId id="257" r:id="rId7"/>
-    <p:sldId id="259" r:id="rId8"/>
-    <p:sldId id="264" r:id="rId9"/>
-    <p:sldId id="268" r:id="rId10"/>
-    <p:sldId id="263" r:id="rId11"/>
-    <p:sldId id="269" r:id="rId12"/>
-    <p:sldId id="265" r:id="rId13"/>
+    <p:sldId id="259" r:id="rId7"/>
+    <p:sldId id="264" r:id="rId8"/>
+    <p:sldId id="268" r:id="rId9"/>
+    <p:sldId id="263" r:id="rId10"/>
+    <p:sldId id="269" r:id="rId11"/>
+    <p:sldId id="270" r:id="rId12"/>
+    <p:sldId id="271" r:id="rId13"/>
+    <p:sldId id="272" r:id="rId14"/>
+    <p:sldId id="265" r:id="rId15"/>
   </p:sldIdLst>
   <p:sldSz cx="12192000" cy="6858000"/>
   <p:notesSz cx="6858000" cy="9144000"/>
@@ -234,7 +236,7 @@
           <a:p>
             <a:fld id="{9E88B8F3-31C2-4698-B74C-D5D76CFD8ACD}" type="datetimeFigureOut">
               <a:rPr lang="ru-RU" smtClean="0"/>
-              <a:t>12.04.2023</a:t>
+              <a:t>30.05.2023</a:t>
             </a:fld>
             <a:endParaRPr lang="ru-RU" dirty="0"/>
           </a:p>
@@ -411,7 +413,7 @@
           <a:p>
             <a:fld id="{7000EB3D-2307-4317-8A1D-B47FA45245F0}" type="datetimeFigureOut">
               <a:rPr lang="ru-RU" smtClean="0"/>
-              <a:t>12.04.2023</a:t>
+              <a:t>30.05.2023</a:t>
             </a:fld>
             <a:endParaRPr lang="ru-RU" dirty="0"/>
           </a:p>
@@ -1402,7 +1404,7 @@
           </a:lstStyle>
           <a:p>
             <a:r>
-              <a:rPr lang="en-US" smtClean="0"/>
+              <a:rPr lang="en-US"/>
               <a:t>Click icon to add picture</a:t>
             </a:r>
             <a:endParaRPr lang="ru-RU" dirty="0"/>
@@ -2014,7 +2016,7 @@
           </a:lstStyle>
           <a:p>
             <a:r>
-              <a:rPr lang="en-US" smtClean="0"/>
+              <a:rPr lang="en-US"/>
               <a:t>Click icon to add picture</a:t>
             </a:r>
             <a:endParaRPr lang="ru-RU" dirty="0"/>
@@ -2913,10 +2915,9 @@
           <a:p>
             <a:pPr marL="228600" lvl="0" indent="-228600"/>
             <a:r>
-              <a:rPr lang="en-US" smtClean="0"/>
+              <a:rPr lang="en-US"/>
               <a:t>Click to edit Master subtitle style</a:t>
             </a:r>
-            <a:endParaRPr lang="en-US"/>
           </a:p>
         </p:txBody>
       </p:sp>
@@ -3386,7 +3387,7 @@
           <a:p>
             <a:pPr marL="228600" lvl="0" indent="-228600"/>
             <a:r>
-              <a:rPr lang="en-US" smtClean="0"/>
+              <a:rPr lang="en-US"/>
               <a:t>Click to edit Master text styles</a:t>
             </a:r>
           </a:p>
@@ -3876,10 +3877,9 @@
           <a:lstStyle/>
           <a:p>
             <a:r>
-              <a:rPr lang="en-US" smtClean="0"/>
+              <a:rPr lang="en-US"/>
               <a:t>Click to edit Master title style</a:t>
             </a:r>
-            <a:endParaRPr lang="en-US"/>
           </a:p>
         </p:txBody>
       </p:sp>
@@ -3947,35 +3947,35 @@
           <a:p>
             <a:pPr lvl="0"/>
             <a:r>
-              <a:rPr lang="en-US" smtClean="0"/>
+              <a:rPr lang="en-US"/>
               <a:t>Click to edit Master text styles</a:t>
             </a:r>
           </a:p>
           <a:p>
             <a:pPr lvl="1"/>
             <a:r>
-              <a:rPr lang="en-US" smtClean="0"/>
+              <a:rPr lang="en-US"/>
               <a:t>Second level</a:t>
             </a:r>
           </a:p>
           <a:p>
             <a:pPr lvl="2"/>
             <a:r>
-              <a:rPr lang="en-US" smtClean="0"/>
+              <a:rPr lang="en-US"/>
               <a:t>Third level</a:t>
             </a:r>
           </a:p>
           <a:p>
             <a:pPr lvl="3"/>
             <a:r>
-              <a:rPr lang="en-US" smtClean="0"/>
+              <a:rPr lang="en-US"/>
               <a:t>Fourth level</a:t>
             </a:r>
           </a:p>
           <a:p>
             <a:pPr lvl="4"/>
             <a:r>
-              <a:rPr lang="en-US" smtClean="0"/>
+              <a:rPr lang="en-US"/>
               <a:t>Fifth level</a:t>
             </a:r>
             <a:endParaRPr lang="en-US" dirty="0"/>
@@ -4466,10 +4466,9 @@
           <a:lstStyle/>
           <a:p>
             <a:r>
-              <a:rPr lang="en-US" smtClean="0"/>
+              <a:rPr lang="en-US"/>
               <a:t>Click to edit Master title style</a:t>
             </a:r>
-            <a:endParaRPr lang="en-US"/>
           </a:p>
         </p:txBody>
       </p:sp>
@@ -4539,38 +4538,37 @@
           <a:p>
             <a:pPr lvl="0"/>
             <a:r>
-              <a:rPr lang="en-US" smtClean="0"/>
+              <a:rPr lang="en-US"/>
               <a:t>Click to edit Master text styles</a:t>
             </a:r>
           </a:p>
           <a:p>
             <a:pPr lvl="1"/>
             <a:r>
-              <a:rPr lang="en-US" smtClean="0"/>
+              <a:rPr lang="en-US"/>
               <a:t>Second level</a:t>
             </a:r>
           </a:p>
           <a:p>
             <a:pPr lvl="2"/>
             <a:r>
-              <a:rPr lang="en-US" smtClean="0"/>
+              <a:rPr lang="en-US"/>
               <a:t>Third level</a:t>
             </a:r>
           </a:p>
           <a:p>
             <a:pPr lvl="3"/>
             <a:r>
-              <a:rPr lang="en-US" smtClean="0"/>
+              <a:rPr lang="en-US"/>
               <a:t>Fourth level</a:t>
             </a:r>
           </a:p>
           <a:p>
             <a:pPr lvl="4"/>
             <a:r>
-              <a:rPr lang="en-US" smtClean="0"/>
+              <a:rPr lang="en-US"/>
               <a:t>Fifth level</a:t>
             </a:r>
-            <a:endParaRPr lang="en-US"/>
           </a:p>
         </p:txBody>
       </p:sp>
@@ -4640,38 +4638,37 @@
           <a:p>
             <a:pPr lvl="0"/>
             <a:r>
-              <a:rPr lang="en-US" smtClean="0"/>
+              <a:rPr lang="en-US"/>
               <a:t>Click to edit Master text styles</a:t>
             </a:r>
           </a:p>
           <a:p>
             <a:pPr lvl="1"/>
             <a:r>
-              <a:rPr lang="en-US" smtClean="0"/>
+              <a:rPr lang="en-US"/>
               <a:t>Second level</a:t>
             </a:r>
           </a:p>
           <a:p>
             <a:pPr lvl="2"/>
             <a:r>
-              <a:rPr lang="en-US" smtClean="0"/>
+              <a:rPr lang="en-US"/>
               <a:t>Third level</a:t>
             </a:r>
           </a:p>
           <a:p>
             <a:pPr lvl="3"/>
             <a:r>
-              <a:rPr lang="en-US" smtClean="0"/>
+              <a:rPr lang="en-US"/>
               <a:t>Fourth level</a:t>
             </a:r>
           </a:p>
           <a:p>
             <a:pPr lvl="4"/>
             <a:r>
-              <a:rPr lang="en-US" smtClean="0"/>
+              <a:rPr lang="en-US"/>
               <a:t>Fifth level</a:t>
             </a:r>
-            <a:endParaRPr lang="en-US"/>
           </a:p>
         </p:txBody>
       </p:sp>
@@ -5159,10 +5156,9 @@
           <a:lstStyle/>
           <a:p>
             <a:r>
-              <a:rPr lang="en-US" smtClean="0"/>
+              <a:rPr lang="en-US"/>
               <a:t>Click to edit Master title style</a:t>
             </a:r>
-            <a:endParaRPr lang="en-US"/>
           </a:p>
         </p:txBody>
       </p:sp>
@@ -5233,7 +5229,7 @@
           <a:p>
             <a:pPr lvl="0"/>
             <a:r>
-              <a:rPr lang="en-US" smtClean="0"/>
+              <a:rPr lang="en-US"/>
               <a:t>Click to edit Master text styles</a:t>
             </a:r>
           </a:p>
@@ -5305,38 +5301,37 @@
           <a:p>
             <a:pPr lvl="0"/>
             <a:r>
-              <a:rPr lang="en-US" smtClean="0"/>
+              <a:rPr lang="en-US"/>
               <a:t>Click to edit Master text styles</a:t>
             </a:r>
           </a:p>
           <a:p>
             <a:pPr lvl="1"/>
             <a:r>
-              <a:rPr lang="en-US" smtClean="0"/>
+              <a:rPr lang="en-US"/>
               <a:t>Second level</a:t>
             </a:r>
           </a:p>
           <a:p>
             <a:pPr lvl="2"/>
             <a:r>
-              <a:rPr lang="en-US" smtClean="0"/>
+              <a:rPr lang="en-US"/>
               <a:t>Third level</a:t>
             </a:r>
           </a:p>
           <a:p>
             <a:pPr lvl="3"/>
             <a:r>
-              <a:rPr lang="en-US" smtClean="0"/>
+              <a:rPr lang="en-US"/>
               <a:t>Fourth level</a:t>
             </a:r>
           </a:p>
           <a:p>
             <a:pPr lvl="4"/>
             <a:r>
-              <a:rPr lang="en-US" smtClean="0"/>
+              <a:rPr lang="en-US"/>
               <a:t>Fifth level</a:t>
             </a:r>
-            <a:endParaRPr lang="en-US"/>
           </a:p>
         </p:txBody>
       </p:sp>
@@ -5407,7 +5402,7 @@
           <a:p>
             <a:pPr lvl="0"/>
             <a:r>
-              <a:rPr lang="en-US" smtClean="0"/>
+              <a:rPr lang="en-US"/>
               <a:t>Click to edit Master text styles</a:t>
             </a:r>
           </a:p>
@@ -5479,38 +5474,37 @@
           <a:p>
             <a:pPr lvl="0"/>
             <a:r>
-              <a:rPr lang="en-US" smtClean="0"/>
+              <a:rPr lang="en-US"/>
               <a:t>Click to edit Master text styles</a:t>
             </a:r>
           </a:p>
           <a:p>
             <a:pPr lvl="1"/>
             <a:r>
-              <a:rPr lang="en-US" smtClean="0"/>
+              <a:rPr lang="en-US"/>
               <a:t>Second level</a:t>
             </a:r>
           </a:p>
           <a:p>
             <a:pPr lvl="2"/>
             <a:r>
-              <a:rPr lang="en-US" smtClean="0"/>
+              <a:rPr lang="en-US"/>
               <a:t>Third level</a:t>
             </a:r>
           </a:p>
           <a:p>
             <a:pPr lvl="3"/>
             <a:r>
-              <a:rPr lang="en-US" smtClean="0"/>
+              <a:rPr lang="en-US"/>
               <a:t>Fourth level</a:t>
             </a:r>
           </a:p>
           <a:p>
             <a:pPr lvl="4"/>
             <a:r>
-              <a:rPr lang="en-US" smtClean="0"/>
+              <a:rPr lang="en-US"/>
               <a:t>Fifth level</a:t>
             </a:r>
-            <a:endParaRPr lang="en-US"/>
           </a:p>
         </p:txBody>
       </p:sp>
@@ -5925,10 +5919,9 @@
           </a:lstStyle>
           <a:p>
             <a:r>
-              <a:rPr lang="en-US" smtClean="0"/>
+              <a:rPr lang="en-US"/>
               <a:t>Click to edit Master title style</a:t>
             </a:r>
-            <a:endParaRPr lang="en-US"/>
           </a:p>
         </p:txBody>
       </p:sp>
@@ -5997,7 +5990,7 @@
           <a:p>
             <a:pPr lvl="0"/>
             <a:r>
-              <a:rPr lang="en-US" smtClean="0"/>
+              <a:rPr lang="en-US"/>
               <a:t>Click to edit Master text styles</a:t>
             </a:r>
           </a:p>
@@ -6079,38 +6072,37 @@
           <a:p>
             <a:pPr lvl="0"/>
             <a:r>
-              <a:rPr lang="en-US" smtClean="0"/>
+              <a:rPr lang="en-US"/>
               <a:t>Click to edit Master text styles</a:t>
             </a:r>
           </a:p>
           <a:p>
             <a:pPr lvl="1"/>
             <a:r>
-              <a:rPr lang="en-US" smtClean="0"/>
+              <a:rPr lang="en-US"/>
               <a:t>Second level</a:t>
             </a:r>
           </a:p>
           <a:p>
             <a:pPr lvl="2"/>
             <a:r>
-              <a:rPr lang="en-US" smtClean="0"/>
+              <a:rPr lang="en-US"/>
               <a:t>Third level</a:t>
             </a:r>
           </a:p>
           <a:p>
             <a:pPr lvl="3"/>
             <a:r>
-              <a:rPr lang="en-US" smtClean="0"/>
+              <a:rPr lang="en-US"/>
               <a:t>Fourth level</a:t>
             </a:r>
           </a:p>
           <a:p>
             <a:pPr lvl="4"/>
             <a:r>
-              <a:rPr lang="en-US" smtClean="0"/>
+              <a:rPr lang="en-US"/>
               <a:t>Fifth level</a:t>
             </a:r>
-            <a:endParaRPr lang="en-US"/>
           </a:p>
         </p:txBody>
       </p:sp>
@@ -6449,7 +6441,7 @@
           </a:lstStyle>
           <a:p>
             <a:r>
-              <a:rPr lang="en-US" smtClean="0"/>
+              <a:rPr lang="en-US"/>
               <a:t>Click to edit Master title style</a:t>
             </a:r>
             <a:endParaRPr lang="en-US" dirty="0"/>
@@ -6521,7 +6513,7 @@
           <a:p>
             <a:pPr lvl="0"/>
             <a:r>
-              <a:rPr lang="en-US" smtClean="0"/>
+              <a:rPr lang="en-US"/>
               <a:t>Click to edit Master text styles</a:t>
             </a:r>
           </a:p>
@@ -6685,7 +6677,7 @@
           </a:lstStyle>
           <a:p>
             <a:r>
-              <a:rPr lang="en-US" smtClean="0"/>
+              <a:rPr lang="en-US"/>
               <a:t>Click icon to add picture</a:t>
             </a:r>
             <a:endParaRPr lang="en-US" dirty="0"/>
@@ -7759,7 +7751,7 @@
           </a:lstStyle>
           <a:p>
             <a:r>
-              <a:rPr lang="en-US" smtClean="0"/>
+              <a:rPr lang="en-US"/>
               <a:t>Click icon to add picture</a:t>
             </a:r>
             <a:endParaRPr lang="ru-RU" dirty="0"/>
@@ -8190,7 +8182,7 @@
           <a:p>
             <a:pPr lvl="0"/>
             <a:r>
-              <a:rPr lang="en-US" smtClean="0"/>
+              <a:rPr lang="en-US"/>
               <a:t>Click to edit Master text styles</a:t>
             </a:r>
           </a:p>
@@ -8289,7 +8281,7 @@
           <a:p>
             <a:pPr lvl="0"/>
             <a:r>
-              <a:rPr lang="en-US" smtClean="0"/>
+              <a:rPr lang="en-US"/>
               <a:t>Click to edit Master text styles</a:t>
             </a:r>
           </a:p>
@@ -8388,7 +8380,7 @@
           <a:p>
             <a:pPr lvl="0"/>
             <a:r>
-              <a:rPr lang="en-US" smtClean="0"/>
+              <a:rPr lang="en-US"/>
               <a:t>Click to edit Master text styles</a:t>
             </a:r>
           </a:p>
@@ -8436,7 +8428,7 @@
           <a:p>
             <a:pPr lvl="0"/>
             <a:r>
-              <a:rPr lang="en-US" smtClean="0"/>
+              <a:rPr lang="en-US"/>
               <a:t>Click to edit Master text styles</a:t>
             </a:r>
           </a:p>
@@ -8484,7 +8476,7 @@
           <a:p>
             <a:pPr lvl="0"/>
             <a:r>
-              <a:rPr lang="en-US" smtClean="0"/>
+              <a:rPr lang="en-US"/>
               <a:t>Click to edit Master text styles</a:t>
             </a:r>
           </a:p>
@@ -8532,7 +8524,7 @@
           <a:p>
             <a:pPr lvl="0"/>
             <a:r>
-              <a:rPr lang="en-US" smtClean="0"/>
+              <a:rPr lang="en-US"/>
               <a:t>Click to edit Master text styles</a:t>
             </a:r>
           </a:p>
@@ -8580,7 +8572,7 @@
           <a:p>
             <a:pPr lvl="0"/>
             <a:r>
-              <a:rPr lang="en-US" smtClean="0"/>
+              <a:rPr lang="en-US"/>
               <a:t>Click to edit Master text styles</a:t>
             </a:r>
           </a:p>
@@ -8626,7 +8618,7 @@
           <a:p>
             <a:pPr lvl="0"/>
             <a:r>
-              <a:rPr lang="en-US" smtClean="0"/>
+              <a:rPr lang="en-US"/>
               <a:t>Click to edit Master text styles</a:t>
             </a:r>
           </a:p>
@@ -8672,7 +8664,7 @@
           <a:p>
             <a:pPr lvl="0"/>
             <a:r>
-              <a:rPr lang="en-US" smtClean="0"/>
+              <a:rPr lang="en-US"/>
               <a:t>Click to edit Master text styles</a:t>
             </a:r>
           </a:p>
@@ -8718,7 +8710,7 @@
           <a:p>
             <a:pPr lvl="0"/>
             <a:r>
-              <a:rPr lang="en-US" smtClean="0"/>
+              <a:rPr lang="en-US"/>
               <a:t>Click to edit Master text styles</a:t>
             </a:r>
           </a:p>
@@ -8764,7 +8756,7 @@
           </a:lstStyle>
           <a:p>
             <a:r>
-              <a:rPr lang="en-US" smtClean="0"/>
+              <a:rPr lang="en-US"/>
               <a:t>Click icon to add picture</a:t>
             </a:r>
             <a:endParaRPr lang="ru-RU" dirty="0"/>
@@ -8811,7 +8803,7 @@
           </a:lstStyle>
           <a:p>
             <a:r>
-              <a:rPr lang="en-US" smtClean="0"/>
+              <a:rPr lang="en-US"/>
               <a:t>Click icon to add picture</a:t>
             </a:r>
             <a:endParaRPr lang="ru-RU" dirty="0"/>
@@ -8858,7 +8850,7 @@
           </a:lstStyle>
           <a:p>
             <a:r>
-              <a:rPr lang="en-US" smtClean="0"/>
+              <a:rPr lang="en-US"/>
               <a:t>Click icon to add picture</a:t>
             </a:r>
             <a:endParaRPr lang="ru-RU" dirty="0"/>
@@ -9139,7 +9131,7 @@
           </a:lstStyle>
           <a:p>
             <a:r>
-              <a:rPr lang="en-US" smtClean="0"/>
+              <a:rPr lang="en-US"/>
               <a:t>Click icon to add picture</a:t>
             </a:r>
             <a:endParaRPr lang="ru-RU" dirty="0"/>
@@ -9224,7 +9216,7 @@
           <a:p>
             <a:pPr lvl="0"/>
             <a:r>
-              <a:rPr lang="en-US" smtClean="0"/>
+              <a:rPr lang="en-US"/>
               <a:t>Click to edit Master text styles</a:t>
             </a:r>
           </a:p>
@@ -9641,7 +9633,7 @@
           </a:lstStyle>
           <a:p>
             <a:r>
-              <a:rPr lang="en-US" smtClean="0"/>
+              <a:rPr lang="en-US"/>
               <a:t>Click icon to add picture</a:t>
             </a:r>
             <a:endParaRPr lang="ru-RU" dirty="0"/>
@@ -9726,7 +9718,7 @@
           <a:p>
             <a:pPr lvl="0"/>
             <a:r>
-              <a:rPr lang="en-US" smtClean="0"/>
+              <a:rPr lang="en-US"/>
               <a:t>Click to edit Master text styles</a:t>
             </a:r>
           </a:p>
@@ -10635,7 +10627,7 @@
           <a:p>
             <a:pPr lvl="0"/>
             <a:r>
-              <a:rPr lang="en-US" smtClean="0"/>
+              <a:rPr lang="en-US"/>
               <a:t>Click to edit Master text styles</a:t>
             </a:r>
           </a:p>
@@ -10729,7 +10721,7 @@
           <a:p>
             <a:pPr lvl="0"/>
             <a:r>
-              <a:rPr lang="en-US" smtClean="0"/>
+              <a:rPr lang="en-US"/>
               <a:t>Click to edit Master text styles</a:t>
             </a:r>
           </a:p>
@@ -11419,7 +11411,7 @@
           </a:lstStyle>
           <a:p>
             <a:r>
-              <a:rPr lang="en-US" smtClean="0"/>
+              <a:rPr lang="en-US"/>
               <a:t>Click icon to add chart</a:t>
             </a:r>
             <a:endParaRPr lang="ru-RU" dirty="0"/>
@@ -12227,7 +12219,7 @@
           </a:lstStyle>
           <a:p>
             <a:r>
-              <a:rPr lang="en-US" smtClean="0"/>
+              <a:rPr lang="en-US"/>
               <a:t>Click icon to add table</a:t>
             </a:r>
             <a:endParaRPr lang="ru-RU" dirty="0"/>
@@ -12505,7 +12497,7 @@
           </a:lstStyle>
           <a:p>
             <a:r>
-              <a:rPr lang="en-US" smtClean="0"/>
+              <a:rPr lang="en-US"/>
               <a:t>Click icon to add picture</a:t>
             </a:r>
             <a:endParaRPr lang="ru-RU" dirty="0"/>
@@ -13071,7 +13063,7 @@
           </a:lstStyle>
           <a:p>
             <a:r>
-              <a:rPr lang="en-US" smtClean="0"/>
+              <a:rPr lang="en-US"/>
               <a:t>Click icon to add media</a:t>
             </a:r>
             <a:endParaRPr lang="ru-RU" dirty="0"/>
@@ -13275,7 +13267,7 @@
           <a:lstStyle/>
           <a:p>
             <a:r>
-              <a:rPr lang="en-US" smtClean="0"/>
+              <a:rPr lang="en-US"/>
               <a:t>Click to edit Master title style</a:t>
             </a:r>
             <a:endParaRPr lang="ru-RU" dirty="0"/>
@@ -13750,7 +13742,7 @@
       </a:lvl9pPr>
     </p:otherStyle>
   </p:txStyles>
-  <p:extLst mod="1">
+  <p:extLst>
     <p:ext uri="{27BBF7A9-308A-43DC-89C8-2F10F3537804}">
       <p15:sldGuideLst xmlns:p15="http://schemas.microsoft.com/office/powerpoint/2012/main">
         <p15:guide id="1" orient="horz" pos="572" userDrawn="1">
@@ -13871,7 +13863,7 @@
           <a:lstStyle/>
           <a:p>
             <a:r>
-              <a:rPr lang="en-US" dirty="0" smtClean="0"/>
+              <a:rPr lang="en-US" dirty="0"/>
               <a:t>DocEasy</a:t>
             </a:r>
             <a:endParaRPr lang="ru-RU" dirty="0"/>
@@ -13905,13 +13897,13 @@
           <a:lstStyle/>
           <a:p>
             <a:r>
-              <a:rPr lang="en-US" b="1" dirty="0" smtClean="0"/>
+              <a:rPr lang="en-US" b="1" dirty="0"/>
               <a:t>Appointments</a:t>
             </a:r>
           </a:p>
           <a:p>
             <a:r>
-              <a:rPr lang="en-US" b="1" dirty="0" smtClean="0"/>
+              <a:rPr lang="en-US" b="1" dirty="0"/>
               <a:t>Made easy</a:t>
             </a:r>
           </a:p>
@@ -13935,7 +13927,7 @@
         </p:nvSpPr>
         <p:spPr>
           <a:xfrm>
-            <a:off x="634349" y="5526926"/>
+            <a:off x="634349" y="4975513"/>
             <a:ext cx="4367531" cy="324417"/>
           </a:xfrm>
         </p:spPr>
@@ -13944,9 +13936,74 @@
           <a:lstStyle/>
           <a:p>
             <a:r>
+              <a:rPr lang="en-IN" dirty="0"/>
+              <a:t>Batch </a:t>
+            </a:r>
+            <a:r>
               <a:rPr lang="en-IN" dirty="0" smtClean="0"/>
-              <a:t>Batch 18</a:t>
-            </a:r>
+              <a:t>18</a:t>
+            </a:r>
+          </a:p>
+          <a:p>
+            <a:r>
+              <a:rPr lang="en-US" sz="2000" b="0" dirty="0" err="1">
+                <a:solidFill>
+                  <a:schemeClr val="bg1"/>
+                </a:solidFill>
+              </a:rPr>
+              <a:t>Snega</a:t>
+            </a:r>
+            <a:r>
+              <a:rPr lang="en-US" sz="2000" b="0" dirty="0">
+                <a:solidFill>
+                  <a:schemeClr val="bg1"/>
+                </a:solidFill>
+              </a:rPr>
+              <a:t> M</a:t>
+            </a:r>
+          </a:p>
+          <a:p>
+            <a:r>
+              <a:rPr lang="en-US" sz="2000" b="0" dirty="0" err="1">
+                <a:solidFill>
+                  <a:schemeClr val="bg1"/>
+                </a:solidFill>
+              </a:rPr>
+              <a:t>Vimalan</a:t>
+            </a:r>
+            <a:r>
+              <a:rPr lang="en-US" sz="2000" b="0" dirty="0">
+                <a:solidFill>
+                  <a:schemeClr val="bg1"/>
+                </a:solidFill>
+              </a:rPr>
+              <a:t> S</a:t>
+            </a:r>
+          </a:p>
+          <a:p>
+            <a:r>
+              <a:rPr lang="en-US" sz="2000" b="0" dirty="0" err="1">
+                <a:solidFill>
+                  <a:schemeClr val="bg1"/>
+                </a:solidFill>
+              </a:rPr>
+              <a:t>Yuvaraj</a:t>
+            </a:r>
+            <a:r>
+              <a:rPr lang="en-US" sz="2000" b="0" dirty="0">
+                <a:solidFill>
+                  <a:schemeClr val="bg1"/>
+                </a:solidFill>
+              </a:rPr>
+              <a:t> D</a:t>
+            </a:r>
+            <a:endParaRPr lang="ru-RU" sz="2000" b="0" dirty="0">
+              <a:solidFill>
+                <a:schemeClr val="bg1"/>
+              </a:solidFill>
+            </a:endParaRPr>
+          </a:p>
+          <a:p>
             <a:endParaRPr lang="ru-RU" dirty="0"/>
           </a:p>
         </p:txBody>
@@ -13955,6 +14012,316 @@
     <p:extLst>
       <p:ext uri="{BB962C8B-B14F-4D97-AF65-F5344CB8AC3E}">
         <p14:creationId xmlns:p14="http://schemas.microsoft.com/office/powerpoint/2010/main" val="3610506880"/>
+      </p:ext>
+    </p:extLst>
+  </p:cSld>
+  <p:clrMapOvr>
+    <a:masterClrMapping/>
+  </p:clrMapOvr>
+</p:sld>
+</file>
+
+<file path=ppt/slides/slide10.xml><?xml version="1.0" encoding="utf-8"?>
+<p:sld xmlns:a="http://schemas.openxmlformats.org/drawingml/2006/main" xmlns:r="http://schemas.openxmlformats.org/officeDocument/2006/relationships" xmlns:p="http://schemas.openxmlformats.org/presentationml/2006/main">
+  <p:cSld>
+    <p:spTree>
+      <p:nvGrpSpPr>
+        <p:cNvPr id="1" name=""/>
+        <p:cNvGrpSpPr/>
+        <p:nvPr/>
+      </p:nvGrpSpPr>
+      <p:grpSpPr>
+        <a:xfrm>
+          <a:off x="0" y="0"/>
+          <a:ext cx="0" cy="0"/>
+          <a:chOff x="0" y="0"/>
+          <a:chExt cx="0" cy="0"/>
+        </a:xfrm>
+      </p:grpSpPr>
+      <p:sp>
+        <p:nvSpPr>
+          <p:cNvPr id="2" name="Slide Number Placeholder 1">
+            <a:extLst>
+              <a:ext uri="{FF2B5EF4-FFF2-40B4-BE49-F238E27FC236}">
+                <a16:creationId xmlns:a16="http://schemas.microsoft.com/office/drawing/2014/main" xmlns="" id="{525DBE17-4DEE-89CB-26E0-2400036485FF}"/>
+              </a:ext>
+            </a:extLst>
+          </p:cNvPr>
+          <p:cNvSpPr>
+            <a:spLocks noGrp="1"/>
+          </p:cNvSpPr>
+          <p:nvPr>
+            <p:ph type="sldNum" sz="quarter" idx="10"/>
+          </p:nvPr>
+        </p:nvSpPr>
+        <p:spPr/>
+        <p:txBody>
+          <a:bodyPr/>
+          <a:lstStyle/>
+          <a:p>
+            <a:fld id="{D495E168-DA5E-4888-8D8A-92B118324C14}" type="slidenum">
+              <a:rPr lang="ru-RU" smtClean="0"/>
+              <a:pPr/>
+              <a:t>10</a:t>
+            </a:fld>
+            <a:endParaRPr lang="ru-RU" dirty="0"/>
+          </a:p>
+        </p:txBody>
+      </p:sp>
+      <p:sp>
+        <p:nvSpPr>
+          <p:cNvPr id="3" name="Title 2">
+            <a:extLst>
+              <a:ext uri="{FF2B5EF4-FFF2-40B4-BE49-F238E27FC236}">
+                <a16:creationId xmlns:a16="http://schemas.microsoft.com/office/drawing/2014/main" xmlns="" id="{FEE973CD-4010-786D-7FD0-0A5BA569FD5C}"/>
+              </a:ext>
+            </a:extLst>
+          </p:cNvPr>
+          <p:cNvSpPr>
+            <a:spLocks noGrp="1"/>
+          </p:cNvSpPr>
+          <p:nvPr>
+            <p:ph type="title"/>
+          </p:nvPr>
+        </p:nvSpPr>
+        <p:spPr/>
+        <p:txBody>
+          <a:bodyPr>
+            <a:normAutofit fontScale="90000"/>
+          </a:bodyPr>
+          <a:lstStyle/>
+          <a:p>
+            <a:r>
+              <a:rPr lang="en-US" dirty="0"/>
+              <a:t>THINGS THAT CAN BE IMPLEMENTED TO IMPROVE THE WEB APPLICATION</a:t>
+            </a:r>
+            <a:endParaRPr lang="en-IN" dirty="0"/>
+          </a:p>
+        </p:txBody>
+      </p:sp>
+      <p:sp>
+        <p:nvSpPr>
+          <p:cNvPr id="4" name="Content Placeholder 3">
+            <a:extLst>
+              <a:ext uri="{FF2B5EF4-FFF2-40B4-BE49-F238E27FC236}">
+                <a16:creationId xmlns:a16="http://schemas.microsoft.com/office/drawing/2014/main" xmlns="" id="{3BF3F3B4-45B9-CEFE-543D-AC5850FDCD3F}"/>
+              </a:ext>
+            </a:extLst>
+          </p:cNvPr>
+          <p:cNvSpPr>
+            <a:spLocks noGrp="1"/>
+          </p:cNvSpPr>
+          <p:nvPr>
+            <p:ph idx="1"/>
+          </p:nvPr>
+        </p:nvSpPr>
+        <p:spPr/>
+        <p:txBody>
+          <a:bodyPr/>
+          <a:lstStyle/>
+          <a:p>
+            <a:endParaRPr lang="en-US" dirty="0" smtClean="0"/>
+          </a:p>
+          <a:p>
+            <a:pPr marL="0" indent="0">
+              <a:buNone/>
+            </a:pPr>
+            <a:endParaRPr lang="en-US" dirty="0"/>
+          </a:p>
+          <a:p>
+            <a:r>
+              <a:rPr lang="en-US" dirty="0" smtClean="0"/>
+              <a:t>Role </a:t>
+            </a:r>
+            <a:r>
+              <a:rPr lang="en-US" dirty="0"/>
+              <a:t>Based Login For Doctor to Input their </a:t>
+            </a:r>
+            <a:r>
+              <a:rPr lang="en-US" dirty="0" smtClean="0"/>
+              <a:t>Availability</a:t>
+            </a:r>
+          </a:p>
+          <a:p>
+            <a:endParaRPr lang="en-US" dirty="0"/>
+          </a:p>
+          <a:p>
+            <a:r>
+              <a:rPr lang="en-US" dirty="0"/>
+              <a:t>Admin panel for an Admin to Verify and Add or Edit Doctors</a:t>
+            </a:r>
+            <a:endParaRPr lang="en-IN" dirty="0"/>
+          </a:p>
+        </p:txBody>
+      </p:sp>
+    </p:spTree>
+    <p:extLst>
+      <p:ext uri="{BB962C8B-B14F-4D97-AF65-F5344CB8AC3E}">
+        <p14:creationId xmlns:p14="http://schemas.microsoft.com/office/powerpoint/2010/main" val="3751621326"/>
+      </p:ext>
+    </p:extLst>
+  </p:cSld>
+  <p:clrMapOvr>
+    <a:masterClrMapping/>
+  </p:clrMapOvr>
+</p:sld>
+</file>
+
+<file path=ppt/slides/slide11.xml><?xml version="1.0" encoding="utf-8"?>
+<p:sld xmlns:a="http://schemas.openxmlformats.org/drawingml/2006/main" xmlns:r="http://schemas.openxmlformats.org/officeDocument/2006/relationships" xmlns:p="http://schemas.openxmlformats.org/presentationml/2006/main">
+  <p:cSld>
+    <p:spTree>
+      <p:nvGrpSpPr>
+        <p:cNvPr id="1" name=""/>
+        <p:cNvGrpSpPr/>
+        <p:nvPr/>
+      </p:nvGrpSpPr>
+      <p:grpSpPr>
+        <a:xfrm>
+          <a:off x="0" y="0"/>
+          <a:ext cx="0" cy="0"/>
+          <a:chOff x="0" y="0"/>
+          <a:chExt cx="0" cy="0"/>
+        </a:xfrm>
+      </p:grpSpPr>
+      <p:pic>
+        <p:nvPicPr>
+          <p:cNvPr id="23" name="Picture Placeholder 22" descr="Low Angle View of Office Building Against Blue Sky">
+            <a:extLst>
+              <a:ext uri="{FF2B5EF4-FFF2-40B4-BE49-F238E27FC236}">
+                <a16:creationId xmlns:a16="http://schemas.microsoft.com/office/drawing/2014/main" xmlns="" id="{40946D55-3A70-4E32-99AB-8D71063AAEDE}"/>
+              </a:ext>
+            </a:extLst>
+          </p:cNvPr>
+          <p:cNvPicPr>
+            <a:picLocks noGrp="1" noChangeAspect="1"/>
+          </p:cNvPicPr>
+          <p:nvPr>
+            <p:ph type="pic" sz="quarter" idx="26"/>
+          </p:nvPr>
+        </p:nvPicPr>
+        <p:blipFill rotWithShape="1">
+          <a:blip r:embed="rId2"/>
+          <a:srcRect l="2749" r="2749"/>
+          <a:stretch/>
+        </p:blipFill>
+        <p:spPr/>
+      </p:pic>
+      <p:sp>
+        <p:nvSpPr>
+          <p:cNvPr id="2" name="Title 1">
+            <a:extLst>
+              <a:ext uri="{FF2B5EF4-FFF2-40B4-BE49-F238E27FC236}">
+                <a16:creationId xmlns:a16="http://schemas.microsoft.com/office/drawing/2014/main" xmlns="" id="{D110F751-9975-4653-9855-BA1C7499B75F}"/>
+              </a:ext>
+            </a:extLst>
+          </p:cNvPr>
+          <p:cNvSpPr>
+            <a:spLocks noGrp="1"/>
+          </p:cNvSpPr>
+          <p:nvPr>
+            <p:ph type="title"/>
+          </p:nvPr>
+        </p:nvSpPr>
+        <p:spPr/>
+        <p:txBody>
+          <a:bodyPr/>
+          <a:lstStyle/>
+          <a:p>
+            <a:r>
+              <a:rPr lang="en-US" dirty="0"/>
+              <a:t>THANK</a:t>
+            </a:r>
+            <a:br>
+              <a:rPr lang="en-US" dirty="0"/>
+            </a:br>
+            <a:r>
+              <a:rPr lang="en-US" dirty="0"/>
+              <a:t>YOU!</a:t>
+            </a:r>
+            <a:endParaRPr lang="ru-RU" dirty="0"/>
+          </a:p>
+        </p:txBody>
+      </p:sp>
+      <p:sp>
+        <p:nvSpPr>
+          <p:cNvPr id="3" name="Text Placeholder 2">
+            <a:extLst>
+              <a:ext uri="{FF2B5EF4-FFF2-40B4-BE49-F238E27FC236}">
+                <a16:creationId xmlns:a16="http://schemas.microsoft.com/office/drawing/2014/main" xmlns="" id="{83BBFE92-CA4F-4673-B4D5-7FFF88E819E8}"/>
+              </a:ext>
+            </a:extLst>
+          </p:cNvPr>
+          <p:cNvSpPr>
+            <a:spLocks noGrp="1"/>
+          </p:cNvSpPr>
+          <p:nvPr>
+            <p:ph type="body" sz="quarter" idx="13"/>
+          </p:nvPr>
+        </p:nvSpPr>
+        <p:spPr/>
+        <p:txBody>
+          <a:bodyPr/>
+          <a:lstStyle/>
+          <a:p>
+            <a:r>
+              <a:rPr lang="en-US" dirty="0"/>
+              <a:t>Snega M</a:t>
+            </a:r>
+          </a:p>
+          <a:p>
+            <a:r>
+              <a:rPr lang="en-US" dirty="0"/>
+              <a:t>Vimalan S</a:t>
+            </a:r>
+          </a:p>
+          <a:p>
+            <a:r>
+              <a:rPr lang="en-US" dirty="0"/>
+              <a:t>Yuvaraj D</a:t>
+            </a:r>
+            <a:endParaRPr lang="ru-RU" dirty="0"/>
+          </a:p>
+        </p:txBody>
+      </p:sp>
+      <p:sp>
+        <p:nvSpPr>
+          <p:cNvPr id="6" name="Text Placeholder 5">
+            <a:extLst>
+              <a:ext uri="{FF2B5EF4-FFF2-40B4-BE49-F238E27FC236}">
+                <a16:creationId xmlns:a16="http://schemas.microsoft.com/office/drawing/2014/main" xmlns="" id="{E976F3E4-0E67-4891-8B94-6441620D8B71}"/>
+              </a:ext>
+            </a:extLst>
+          </p:cNvPr>
+          <p:cNvSpPr>
+            <a:spLocks noGrp="1"/>
+          </p:cNvSpPr>
+          <p:nvPr>
+            <p:ph type="body" sz="quarter" idx="22"/>
+          </p:nvPr>
+        </p:nvSpPr>
+        <p:spPr>
+          <a:xfrm>
+            <a:off x="2393950" y="4013344"/>
+            <a:ext cx="4367531" cy="474519"/>
+          </a:xfrm>
+        </p:spPr>
+        <p:txBody>
+          <a:bodyPr/>
+          <a:lstStyle/>
+          <a:p>
+            <a:r>
+              <a:rPr lang="en-IN" dirty="0"/>
+              <a:t> </a:t>
+            </a:r>
+            <a:endParaRPr lang="ru-RU" dirty="0"/>
+          </a:p>
+        </p:txBody>
+      </p:sp>
+    </p:spTree>
+    <p:extLst>
+      <p:ext uri="{BB962C8B-B14F-4D97-AF65-F5344CB8AC3E}">
+        <p14:creationId xmlns:p14="http://schemas.microsoft.com/office/powerpoint/2010/main" val="2314201511"/>
       </p:ext>
     </p:extLst>
   </p:cSld>
@@ -14010,7 +14377,7 @@
           <a:lstStyle/>
           <a:p>
             <a:r>
-              <a:rPr lang="en-US" sz="3500" dirty="0" smtClean="0"/>
+              <a:rPr lang="en-US" sz="3500" dirty="0"/>
               <a:t>PROBLEM STATEMENT</a:t>
             </a:r>
             <a:endParaRPr lang="ru-RU" sz="3500" dirty="0"/>
@@ -14041,13 +14408,13 @@
           <a:lstStyle/>
           <a:p>
             <a:r>
-              <a:rPr lang="en-US" b="1" dirty="0" smtClean="0"/>
+              <a:rPr lang="en-US" b="1" dirty="0"/>
               <a:t>Appointment to doctors are not</a:t>
             </a:r>
           </a:p>
           <a:p>
             <a:r>
-              <a:rPr lang="en-US" b="1" dirty="0" smtClean="0"/>
+              <a:rPr lang="en-US" b="1" dirty="0"/>
               <a:t>Done in an efficient manner</a:t>
             </a:r>
             <a:endParaRPr lang="ru-RU" b="1" dirty="0"/>
@@ -14070,7 +14437,12 @@
             <p:ph type="body" sz="quarter" idx="15"/>
           </p:nvPr>
         </p:nvSpPr>
-        <p:spPr/>
+        <p:spPr>
+          <a:xfrm>
+            <a:off x="774032" y="3074529"/>
+            <a:ext cx="4868676" cy="3060548"/>
+          </a:xfrm>
+        </p:spPr>
         <p:txBody>
           <a:bodyPr>
             <a:noAutofit/>
@@ -14078,30 +14450,38 @@
           <a:lstStyle/>
           <a:p>
             <a:r>
-              <a:rPr lang="en-US" sz="1900" dirty="0" smtClean="0"/>
-              <a:t>Currently there is no online platform to book a Doctors appointment</a:t>
-            </a:r>
-          </a:p>
-          <a:p>
-            <a:r>
-              <a:rPr lang="en-US" sz="1900" dirty="0" smtClean="0"/>
-              <a:t>All appointments are made through phone call and in person which is difficult for people who travel far away and people with accessibility issues</a:t>
-            </a:r>
-          </a:p>
-          <a:p>
-            <a:r>
-              <a:rPr lang="en-US" sz="1900" dirty="0" smtClean="0"/>
-              <a:t>People also are inaccessible to the appointment data like past appointments to the doctor</a:t>
-            </a:r>
-          </a:p>
-          <a:p>
-            <a:endParaRPr lang="en-US" sz="1900" dirty="0" smtClean="0"/>
-          </a:p>
-          <a:p>
-            <a:endParaRPr lang="en-US" sz="1900" dirty="0" smtClean="0"/>
-          </a:p>
-          <a:p>
-            <a:endParaRPr lang="en-US" sz="1900" dirty="0"/>
+              <a:rPr lang="en-US" sz="1800" dirty="0"/>
+              <a:t>There is a need for a web application that facilitates convenient and efficient scheduling of doctor appointments for patients. </a:t>
+            </a:r>
+            <a:endParaRPr lang="en-US" sz="1800" dirty="0" smtClean="0"/>
+          </a:p>
+          <a:p>
+            <a:r>
+              <a:rPr lang="en-US" sz="1800" dirty="0" smtClean="0"/>
+              <a:t>Traditional </a:t>
+            </a:r>
+            <a:r>
+              <a:rPr lang="en-US" sz="1800" dirty="0"/>
+              <a:t>methods of scheduling appointments over the phone or in person can be time-consuming, prone to errors, and may lead to scheduling conflicts or missed appointments. </a:t>
+            </a:r>
+            <a:endParaRPr lang="en-US" sz="1800" dirty="0" smtClean="0"/>
+          </a:p>
+          <a:p>
+            <a:r>
+              <a:rPr lang="en-US" sz="1800" dirty="0" smtClean="0"/>
+              <a:t>A </a:t>
+            </a:r>
+            <a:r>
+              <a:rPr lang="en-US" sz="1800" dirty="0"/>
+              <a:t>dedicated web application can streamline the process, enhance patient experience, and improve overall healthcare service efficiency.</a:t>
+            </a:r>
+            <a:endParaRPr lang="en-US" sz="1800" dirty="0"/>
+          </a:p>
+          <a:p>
+            <a:endParaRPr lang="en-US" sz="1800" dirty="0"/>
+          </a:p>
+          <a:p>
+            <a:endParaRPr lang="en-US" sz="1800" dirty="0"/>
           </a:p>
         </p:txBody>
       </p:sp>
@@ -14195,10 +14575,10 @@
       </p:grpSpPr>
       <p:pic>
         <p:nvPicPr>
-          <p:cNvPr id="19" name="Picture Placeholder 18" descr="Low Angle View of Office Building Against Clear Sky">
-            <a:extLst>
-              <a:ext uri="{FF2B5EF4-FFF2-40B4-BE49-F238E27FC236}">
-                <a16:creationId xmlns:a16="http://schemas.microsoft.com/office/drawing/2014/main" xmlns="" id="{98E1357B-90EC-4F60-BE24-5671EC46D030}"/>
+          <p:cNvPr id="14" name="Picture Placeholder 13" descr="Futuristic Design Office Building Against Clear Sky">
+            <a:extLst>
+              <a:ext uri="{FF2B5EF4-FFF2-40B4-BE49-F238E27FC236}">
+                <a16:creationId xmlns:a16="http://schemas.microsoft.com/office/drawing/2014/main" xmlns="" id="{BD519751-E686-4F24-9C8F-C439D8581B8C}"/>
               </a:ext>
             </a:extLst>
           </p:cNvPr>
@@ -14206,22 +14586,27 @@
             <a:picLocks noGrp="1" noChangeAspect="1"/>
           </p:cNvPicPr>
           <p:nvPr>
-            <p:ph type="pic" sz="quarter" idx="14"/>
+            <p:ph type="pic" sz="quarter" idx="16"/>
           </p:nvPr>
         </p:nvPicPr>
         <p:blipFill rotWithShape="1">
           <a:blip r:embed="rId2"/>
-          <a:srcRect t="13926" b="13926"/>
+          <a:srcRect l="10743" t="17230" r="27972"/>
           <a:stretch/>
         </p:blipFill>
-        <p:spPr/>
+        <p:spPr>
+          <a:xfrm>
+            <a:off x="0" y="404811"/>
+            <a:ext cx="6108872" cy="5485128"/>
+          </a:xfrm>
+        </p:spPr>
       </p:pic>
       <p:sp>
         <p:nvSpPr>
-          <p:cNvPr id="2" name="Title 1">
-            <a:extLst>
-              <a:ext uri="{FF2B5EF4-FFF2-40B4-BE49-F238E27FC236}">
-                <a16:creationId xmlns:a16="http://schemas.microsoft.com/office/drawing/2014/main" xmlns="" id="{CFA21564-E2C8-443F-8E07-E59DFA5BC6DF}"/>
+          <p:cNvPr id="5" name="Title 4">
+            <a:extLst>
+              <a:ext uri="{FF2B5EF4-FFF2-40B4-BE49-F238E27FC236}">
+                <a16:creationId xmlns:a16="http://schemas.microsoft.com/office/drawing/2014/main" xmlns="" id="{20B93806-769F-4C20-A684-CA4CB5BB858C}"/>
               </a:ext>
             </a:extLst>
           </p:cNvPr>
@@ -14232,32 +14617,25 @@
             <p:ph type="title"/>
           </p:nvPr>
         </p:nvSpPr>
-        <p:spPr>
-          <a:xfrm>
-            <a:off x="103031" y="695459"/>
-            <a:ext cx="8332631" cy="1120451"/>
-          </a:xfrm>
-        </p:spPr>
-        <p:txBody>
-          <a:bodyPr>
-            <a:normAutofit/>
-          </a:bodyPr>
+        <p:spPr/>
+        <p:txBody>
+          <a:bodyPr/>
           <a:lstStyle/>
           <a:p>
             <a:r>
-              <a:rPr lang="en-US" sz="3000" dirty="0" smtClean="0"/>
-              <a:t>EXISTING ALTERNATIVES</a:t>
-            </a:r>
-            <a:endParaRPr lang="ru-RU" sz="3000" dirty="0"/>
-          </a:p>
-        </p:txBody>
-      </p:sp>
-      <p:sp>
-        <p:nvSpPr>
-          <p:cNvPr id="5" name="Text Placeholder 4">
-            <a:extLst>
-              <a:ext uri="{FF2B5EF4-FFF2-40B4-BE49-F238E27FC236}">
-                <a16:creationId xmlns:a16="http://schemas.microsoft.com/office/drawing/2014/main" xmlns="" id="{02A2A374-6D41-4D06-9363-30924664025A}"/>
+              <a:rPr lang="en-US" dirty="0"/>
+              <a:t>OBJECTIVE</a:t>
+            </a:r>
+            <a:endParaRPr lang="ru-RU" dirty="0"/>
+          </a:p>
+        </p:txBody>
+      </p:sp>
+      <p:sp>
+        <p:nvSpPr>
+          <p:cNvPr id="6" name="Text Placeholder 5">
+            <a:extLst>
+              <a:ext uri="{FF2B5EF4-FFF2-40B4-BE49-F238E27FC236}">
+                <a16:creationId xmlns:a16="http://schemas.microsoft.com/office/drawing/2014/main" xmlns="" id="{E7292DFE-EBA3-4DB2-A2C7-1810115565E7}"/>
               </a:ext>
             </a:extLst>
           </p:cNvPr>
@@ -14270,55 +14648,97 @@
         </p:nvSpPr>
         <p:spPr>
           <a:xfrm>
-            <a:off x="774032" y="2225392"/>
-            <a:ext cx="4944188" cy="1290540"/>
+            <a:off x="6881206" y="2241515"/>
+            <a:ext cx="4421856" cy="1172219"/>
           </a:xfrm>
         </p:spPr>
         <p:txBody>
           <a:bodyPr>
-            <a:noAutofit/>
+            <a:normAutofit/>
           </a:bodyPr>
           <a:lstStyle/>
           <a:p>
-            <a:pPr marL="342900" indent="-342900">
-              <a:buClr>
-                <a:schemeClr val="bg2"/>
-              </a:buClr>
-              <a:buFont typeface="Wingdings" panose="05000000000000000000" pitchFamily="2" charset="2"/>
-              <a:buChar char="§"/>
+            <a:r>
+              <a:rPr lang="en-US" b="1" dirty="0"/>
+              <a:t>To Create a Web Application for Easily Managing Doctors Appointments</a:t>
+            </a:r>
+            <a:endParaRPr lang="ru-RU" b="1" dirty="0"/>
+          </a:p>
+        </p:txBody>
+      </p:sp>
+      <p:sp>
+        <p:nvSpPr>
+          <p:cNvPr id="4" name="Text Placeholder 3">
+            <a:extLst>
+              <a:ext uri="{FF2B5EF4-FFF2-40B4-BE49-F238E27FC236}">
+                <a16:creationId xmlns:a16="http://schemas.microsoft.com/office/drawing/2014/main" xmlns="" id="{7E209D92-7413-44EE-BC90-ECE50DA3158D}"/>
+              </a:ext>
+            </a:extLst>
+          </p:cNvPr>
+          <p:cNvSpPr>
+            <a:spLocks noGrp="1"/>
+          </p:cNvSpPr>
+          <p:nvPr>
+            <p:ph type="body" sz="quarter" idx="15"/>
+          </p:nvPr>
+        </p:nvSpPr>
+        <p:spPr>
+          <a:xfrm>
+            <a:off x="6881206" y="3596297"/>
+            <a:ext cx="4421857" cy="2588637"/>
+          </a:xfrm>
+        </p:spPr>
+        <p:txBody>
+          <a:bodyPr/>
+          <a:lstStyle/>
+          <a:p>
+            <a:pPr marL="0" indent="0">
+              <a:buNone/>
             </a:pPr>
             <a:r>
-              <a:rPr lang="en-US" sz="2500" dirty="0" smtClean="0"/>
-              <a:t>Appointments i</a:t>
-            </a:r>
-            <a:r>
-              <a:rPr lang="en-US" sz="2500" dirty="0" smtClean="0"/>
-              <a:t>n person</a:t>
-            </a:r>
-            <a:endParaRPr lang="en-US" sz="2500" dirty="0" smtClean="0"/>
-          </a:p>
-          <a:p>
-            <a:pPr marL="342900" indent="-342900">
-              <a:buClr>
-                <a:schemeClr val="bg2"/>
-              </a:buClr>
-              <a:buFont typeface="Wingdings" panose="05000000000000000000" pitchFamily="2" charset="2"/>
-              <a:buChar char="§"/>
+              <a:rPr lang="en-US" sz="1800" b="1" dirty="0"/>
+              <a:t>The Application Provides Facility to :</a:t>
+            </a:r>
+            <a:r>
+              <a:rPr lang="en-US" dirty="0"/>
+              <a:t> </a:t>
+            </a:r>
+          </a:p>
+          <a:p>
+            <a:pPr marL="0" indent="0">
+              <a:buNone/>
             </a:pPr>
-            <a:r>
-              <a:rPr lang="en-US" sz="2500" dirty="0" smtClean="0"/>
-              <a:t>Appointments through phone</a:t>
-            </a:r>
-            <a:endParaRPr lang="ru-RU" sz="2500" dirty="0"/>
-          </a:p>
-        </p:txBody>
-      </p:sp>
-      <p:sp>
-        <p:nvSpPr>
-          <p:cNvPr id="3" name="Slide Number Placeholder 2">
-            <a:extLst>
-              <a:ext uri="{FF2B5EF4-FFF2-40B4-BE49-F238E27FC236}">
-                <a16:creationId xmlns:a16="http://schemas.microsoft.com/office/drawing/2014/main" xmlns="" id="{EA534D36-FD98-42BC-977C-D6843E425B7B}"/>
+            <a:endParaRPr lang="en-US" dirty="0"/>
+          </a:p>
+          <a:p>
+            <a:r>
+              <a:rPr lang="en-US" sz="1800" dirty="0"/>
+              <a:t>To Create and manage appointments for doctor</a:t>
+            </a:r>
+          </a:p>
+          <a:p>
+            <a:endParaRPr lang="en-US" sz="1800" dirty="0"/>
+          </a:p>
+          <a:p>
+            <a:r>
+              <a:rPr lang="en-US" sz="1800" dirty="0"/>
+              <a:t>To book and manage appointment for user</a:t>
+            </a:r>
+          </a:p>
+          <a:p>
+            <a:pPr marL="0" indent="0">
+              <a:buNone/>
+            </a:pPr>
+            <a:endParaRPr lang="en-US" dirty="0"/>
+          </a:p>
+        </p:txBody>
+      </p:sp>
+      <p:sp>
+        <p:nvSpPr>
+          <p:cNvPr id="2" name="Slide Number Placeholder 1">
+            <a:extLst>
+              <a:ext uri="{FF2B5EF4-FFF2-40B4-BE49-F238E27FC236}">
+                <a16:creationId xmlns:a16="http://schemas.microsoft.com/office/drawing/2014/main" xmlns="" id="{638DCF8F-466A-4FC0-91DF-33EF070ED3F1}"/>
               </a:ext>
             </a:extLst>
           </p:cNvPr>
@@ -14346,7 +14766,7 @@
     </p:spTree>
     <p:extLst>
       <p:ext uri="{BB962C8B-B14F-4D97-AF65-F5344CB8AC3E}">
-        <p14:creationId xmlns:p14="http://schemas.microsoft.com/office/powerpoint/2010/main" val="1106630018"/>
+        <p14:creationId xmlns:p14="http://schemas.microsoft.com/office/powerpoint/2010/main" val="2987149822"/>
       </p:ext>
     </p:extLst>
   </p:cSld>
@@ -14373,40 +14793,12 @@
           <a:chExt cx="0" cy="0"/>
         </a:xfrm>
       </p:grpSpPr>
-      <p:pic>
-        <p:nvPicPr>
-          <p:cNvPr id="14" name="Picture Placeholder 13" descr="Futuristic Design Office Building Against Clear Sky">
-            <a:extLst>
-              <a:ext uri="{FF2B5EF4-FFF2-40B4-BE49-F238E27FC236}">
-                <a16:creationId xmlns:a16="http://schemas.microsoft.com/office/drawing/2014/main" xmlns="" id="{BD519751-E686-4F24-9C8F-C439D8581B8C}"/>
-              </a:ext>
-            </a:extLst>
-          </p:cNvPr>
-          <p:cNvPicPr>
-            <a:picLocks noGrp="1" noChangeAspect="1"/>
-          </p:cNvPicPr>
-          <p:nvPr>
-            <p:ph type="pic" sz="quarter" idx="16"/>
-          </p:nvPr>
-        </p:nvPicPr>
-        <p:blipFill rotWithShape="1">
-          <a:blip r:embed="rId2"/>
-          <a:srcRect l="10743" t="17230" r="27972"/>
-          <a:stretch/>
-        </p:blipFill>
-        <p:spPr>
-          <a:xfrm>
-            <a:off x="0" y="404811"/>
-            <a:ext cx="6108872" cy="5485128"/>
-          </a:xfrm>
-        </p:spPr>
-      </p:pic>
-      <p:sp>
-        <p:nvSpPr>
-          <p:cNvPr id="5" name="Title 4">
-            <a:extLst>
-              <a:ext uri="{FF2B5EF4-FFF2-40B4-BE49-F238E27FC236}">
-                <a16:creationId xmlns:a16="http://schemas.microsoft.com/office/drawing/2014/main" xmlns="" id="{20B93806-769F-4C20-A684-CA4CB5BB858C}"/>
+      <p:sp>
+        <p:nvSpPr>
+          <p:cNvPr id="4" name="Title 3">
+            <a:extLst>
+              <a:ext uri="{FF2B5EF4-FFF2-40B4-BE49-F238E27FC236}">
+                <a16:creationId xmlns:a16="http://schemas.microsoft.com/office/drawing/2014/main" xmlns="" id="{2FF2F0B8-896C-4D84-9FF9-3E3607F9E57C}"/>
               </a:ext>
             </a:extLst>
           </p:cNvPr>
@@ -14417,14 +14809,14 @@
             <p:ph type="title"/>
           </p:nvPr>
         </p:nvSpPr>
-        <p:spPr/>
+        <p:spPr bwMode="grayWhite"/>
         <p:txBody>
           <a:bodyPr/>
           <a:lstStyle/>
           <a:p>
             <a:r>
-              <a:rPr lang="en-US" dirty="0" smtClean="0"/>
-              <a:t>OBJECTIVE</a:t>
+              <a:rPr lang="en-US" dirty="0"/>
+              <a:t>SCHEMA DIAGRAM</a:t>
             </a:r>
             <a:endParaRPr lang="ru-RU" dirty="0"/>
           </a:p>
@@ -14432,113 +14824,10 @@
       </p:sp>
       <p:sp>
         <p:nvSpPr>
-          <p:cNvPr id="6" name="Text Placeholder 5">
-            <a:extLst>
-              <a:ext uri="{FF2B5EF4-FFF2-40B4-BE49-F238E27FC236}">
-                <a16:creationId xmlns:a16="http://schemas.microsoft.com/office/drawing/2014/main" xmlns="" id="{E7292DFE-EBA3-4DB2-A2C7-1810115565E7}"/>
-              </a:ext>
-            </a:extLst>
-          </p:cNvPr>
-          <p:cNvSpPr>
-            <a:spLocks noGrp="1"/>
-          </p:cNvSpPr>
-          <p:nvPr>
-            <p:ph type="body" sz="quarter" idx="13"/>
-          </p:nvPr>
-        </p:nvSpPr>
-        <p:spPr>
-          <a:xfrm>
-            <a:off x="6881206" y="2241515"/>
-            <a:ext cx="4421856" cy="1172219"/>
-          </a:xfrm>
-        </p:spPr>
-        <p:txBody>
-          <a:bodyPr>
-            <a:normAutofit/>
-          </a:bodyPr>
-          <a:lstStyle/>
-          <a:p>
-            <a:r>
-              <a:rPr lang="en-US" b="1" dirty="0" smtClean="0"/>
-              <a:t>To Create a Web Application for Easily Managing Doctors Appointments</a:t>
-            </a:r>
-            <a:endParaRPr lang="ru-RU" b="1" dirty="0"/>
-          </a:p>
-        </p:txBody>
-      </p:sp>
-      <p:sp>
-        <p:nvSpPr>
-          <p:cNvPr id="4" name="Text Placeholder 3">
-            <a:extLst>
-              <a:ext uri="{FF2B5EF4-FFF2-40B4-BE49-F238E27FC236}">
-                <a16:creationId xmlns:a16="http://schemas.microsoft.com/office/drawing/2014/main" xmlns="" id="{7E209D92-7413-44EE-BC90-ECE50DA3158D}"/>
-              </a:ext>
-            </a:extLst>
-          </p:cNvPr>
-          <p:cNvSpPr>
-            <a:spLocks noGrp="1"/>
-          </p:cNvSpPr>
-          <p:nvPr>
-            <p:ph type="body" sz="quarter" idx="15"/>
-          </p:nvPr>
-        </p:nvSpPr>
-        <p:spPr>
-          <a:xfrm>
-            <a:off x="6881206" y="3596297"/>
-            <a:ext cx="4421857" cy="2588637"/>
-          </a:xfrm>
-        </p:spPr>
-        <p:txBody>
-          <a:bodyPr/>
-          <a:lstStyle/>
-          <a:p>
-            <a:pPr marL="0" indent="0">
-              <a:buNone/>
-            </a:pPr>
-            <a:r>
-              <a:rPr lang="en-US" sz="1800" b="1" dirty="0" smtClean="0"/>
-              <a:t>The Application Provides Facility to :</a:t>
-            </a:r>
-            <a:r>
-              <a:rPr lang="en-US" dirty="0" smtClean="0"/>
-              <a:t> </a:t>
-            </a:r>
-          </a:p>
-          <a:p>
-            <a:pPr marL="0" indent="0">
-              <a:buNone/>
-            </a:pPr>
-            <a:endParaRPr lang="en-US" dirty="0"/>
-          </a:p>
-          <a:p>
-            <a:r>
-              <a:rPr lang="en-US" sz="1800" dirty="0" smtClean="0"/>
-              <a:t>To Create and manage appointments for doctor</a:t>
-            </a:r>
-          </a:p>
-          <a:p>
-            <a:endParaRPr lang="en-US" sz="1800" dirty="0" smtClean="0"/>
-          </a:p>
-          <a:p>
-            <a:r>
-              <a:rPr lang="en-US" sz="1800" dirty="0" smtClean="0"/>
-              <a:t>To book and manage appointment for user</a:t>
-            </a:r>
-          </a:p>
-          <a:p>
-            <a:pPr marL="0" indent="0">
-              <a:buNone/>
-            </a:pPr>
-            <a:endParaRPr lang="en-US" dirty="0"/>
-          </a:p>
-        </p:txBody>
-      </p:sp>
-      <p:sp>
-        <p:nvSpPr>
           <p:cNvPr id="2" name="Slide Number Placeholder 1">
             <a:extLst>
               <a:ext uri="{FF2B5EF4-FFF2-40B4-BE49-F238E27FC236}">
-                <a16:creationId xmlns:a16="http://schemas.microsoft.com/office/drawing/2014/main" xmlns="" id="{638DCF8F-466A-4FC0-91DF-33EF070ED3F1}"/>
+                <a16:creationId xmlns:a16="http://schemas.microsoft.com/office/drawing/2014/main" xmlns="" id="{E8B55491-80DD-4F1B-890E-E2F7B275B9CA}"/>
               </a:ext>
             </a:extLst>
           </p:cNvPr>
@@ -14558,95 +14847,6 @@
               <a:rPr lang="ru-RU" smtClean="0"/>
               <a:pPr/>
               <a:t>4</a:t>
-            </a:fld>
-            <a:endParaRPr lang="ru-RU" dirty="0"/>
-          </a:p>
-        </p:txBody>
-      </p:sp>
-    </p:spTree>
-    <p:extLst>
-      <p:ext uri="{BB962C8B-B14F-4D97-AF65-F5344CB8AC3E}">
-        <p14:creationId xmlns:p14="http://schemas.microsoft.com/office/powerpoint/2010/main" val="2987149822"/>
-      </p:ext>
-    </p:extLst>
-  </p:cSld>
-  <p:clrMapOvr>
-    <a:masterClrMapping/>
-  </p:clrMapOvr>
-</p:sld>
-</file>
-
-<file path=ppt/slides/slide5.xml><?xml version="1.0" encoding="utf-8"?>
-<p:sld xmlns:a="http://schemas.openxmlformats.org/drawingml/2006/main" xmlns:r="http://schemas.openxmlformats.org/officeDocument/2006/relationships" xmlns:p="http://schemas.openxmlformats.org/presentationml/2006/main">
-  <p:cSld>
-    <p:spTree>
-      <p:nvGrpSpPr>
-        <p:cNvPr id="1" name=""/>
-        <p:cNvGrpSpPr/>
-        <p:nvPr/>
-      </p:nvGrpSpPr>
-      <p:grpSpPr>
-        <a:xfrm>
-          <a:off x="0" y="0"/>
-          <a:ext cx="0" cy="0"/>
-          <a:chOff x="0" y="0"/>
-          <a:chExt cx="0" cy="0"/>
-        </a:xfrm>
-      </p:grpSpPr>
-      <p:sp>
-        <p:nvSpPr>
-          <p:cNvPr id="4" name="Title 3">
-            <a:extLst>
-              <a:ext uri="{FF2B5EF4-FFF2-40B4-BE49-F238E27FC236}">
-                <a16:creationId xmlns:a16="http://schemas.microsoft.com/office/drawing/2014/main" xmlns="" id="{2FF2F0B8-896C-4D84-9FF9-3E3607F9E57C}"/>
-              </a:ext>
-            </a:extLst>
-          </p:cNvPr>
-          <p:cNvSpPr>
-            <a:spLocks noGrp="1"/>
-          </p:cNvSpPr>
-          <p:nvPr>
-            <p:ph type="title"/>
-          </p:nvPr>
-        </p:nvSpPr>
-        <p:spPr bwMode="grayWhite"/>
-        <p:txBody>
-          <a:bodyPr/>
-          <a:lstStyle/>
-          <a:p>
-            <a:r>
-              <a:rPr lang="en-US" dirty="0" smtClean="0"/>
-              <a:t>SCHEMA DIAGRAM</a:t>
-            </a:r>
-            <a:endParaRPr lang="ru-RU" dirty="0"/>
-          </a:p>
-        </p:txBody>
-      </p:sp>
-      <p:sp>
-        <p:nvSpPr>
-          <p:cNvPr id="2" name="Slide Number Placeholder 1">
-            <a:extLst>
-              <a:ext uri="{FF2B5EF4-FFF2-40B4-BE49-F238E27FC236}">
-                <a16:creationId xmlns:a16="http://schemas.microsoft.com/office/drawing/2014/main" xmlns="" id="{E8B55491-80DD-4F1B-890E-E2F7B275B9CA}"/>
-              </a:ext>
-            </a:extLst>
-          </p:cNvPr>
-          <p:cNvSpPr>
-            <a:spLocks noGrp="1"/>
-          </p:cNvSpPr>
-          <p:nvPr>
-            <p:ph type="sldNum" sz="quarter" idx="10"/>
-          </p:nvPr>
-        </p:nvSpPr>
-        <p:spPr/>
-        <p:txBody>
-          <a:bodyPr/>
-          <a:lstStyle/>
-          <a:p>
-            <a:fld id="{D495E168-DA5E-4888-8D8A-92B118324C14}" type="slidenum">
-              <a:rPr lang="ru-RU" smtClean="0"/>
-              <a:pPr/>
-              <a:t>5</a:t>
             </a:fld>
             <a:endParaRPr lang="ru-RU" dirty="0"/>
           </a:p>
@@ -14695,7 +14895,7 @@
 </p:sld>
 </file>
 
-<file path=ppt/slides/slide6.xml><?xml version="1.0" encoding="utf-8"?>
+<file path=ppt/slides/slide5.xml><?xml version="1.0" encoding="utf-8"?>
 <p:sld xmlns:a="http://schemas.openxmlformats.org/drawingml/2006/main" xmlns:r="http://schemas.openxmlformats.org/officeDocument/2006/relationships" xmlns:p="http://schemas.openxmlformats.org/presentationml/2006/main">
   <p:cSld>
     <p:spTree>
@@ -14764,7 +14964,7 @@
           <a:lstStyle/>
           <a:p>
             <a:r>
-              <a:rPr lang="en-US" sz="3000" dirty="0" smtClean="0"/>
+              <a:rPr lang="en-US" sz="3000" dirty="0"/>
               <a:t>CLASS DIAGRAM</a:t>
             </a:r>
             <a:endParaRPr lang="ru-RU" sz="3000" dirty="0"/>
@@ -14795,7 +14995,7 @@
             <a:fld id="{D495E168-DA5E-4888-8D8A-92B118324C14}" type="slidenum">
               <a:rPr lang="ru-RU" smtClean="0"/>
               <a:pPr/>
-              <a:t>6</a:t>
+              <a:t>5</a:t>
             </a:fld>
             <a:endParaRPr lang="ru-RU" dirty="0"/>
           </a:p>
@@ -14844,7 +15044,7 @@
 </p:sld>
 </file>
 
-<file path=ppt/slides/slide7.xml><?xml version="1.0" encoding="utf-8"?>
+<file path=ppt/slides/slide6.xml><?xml version="1.0" encoding="utf-8"?>
 <p:sld xmlns:a="http://schemas.openxmlformats.org/drawingml/2006/main" xmlns:r="http://schemas.openxmlformats.org/officeDocument/2006/relationships" xmlns:p="http://schemas.openxmlformats.org/presentationml/2006/main">
   <p:cSld>
     <p:spTree>
@@ -14914,7 +15114,7 @@
           <a:p>
             <a:pPr algn="ctr"/>
             <a:r>
-              <a:rPr lang="en-US" dirty="0" smtClean="0"/>
+              <a:rPr lang="en-US" dirty="0"/>
               <a:t>USE CASE DIAGRAM</a:t>
             </a:r>
             <a:endParaRPr lang="ru-RU" dirty="0"/>
@@ -14945,7 +15145,7 @@
             <a:fld id="{D495E168-DA5E-4888-8D8A-92B118324C14}" type="slidenum">
               <a:rPr lang="ru-RU" smtClean="0"/>
               <a:pPr/>
-              <a:t>7</a:t>
+              <a:t>6</a:t>
             </a:fld>
             <a:endParaRPr lang="ru-RU" dirty="0"/>
           </a:p>
@@ -14994,7 +15194,7 @@
 </p:sld>
 </file>
 
-<file path=ppt/slides/slide8.xml><?xml version="1.0" encoding="utf-8"?>
+<file path=ppt/slides/slide7.xml><?xml version="1.0" encoding="utf-8"?>
 <p:sld xmlns:a="http://schemas.openxmlformats.org/drawingml/2006/main" xmlns:r="http://schemas.openxmlformats.org/officeDocument/2006/relationships" xmlns:p="http://schemas.openxmlformats.org/presentationml/2006/main">
   <p:cSld>
     <p:spTree>
@@ -15040,7 +15240,7 @@
           <a:lstStyle/>
           <a:p>
             <a:r>
-              <a:rPr lang="en-IN" sz="3500" dirty="0" smtClean="0"/>
+              <a:rPr lang="en-IN" sz="3500" dirty="0"/>
               <a:t>TECHNOLOGY STACK</a:t>
             </a:r>
             <a:endParaRPr lang="ru-RU" sz="3500" dirty="0"/>
@@ -15066,7 +15266,7 @@
         <p:spPr>
           <a:xfrm>
             <a:off x="774032" y="2237402"/>
-            <a:ext cx="5008582" cy="3957336"/>
+            <a:ext cx="5008582" cy="3764970"/>
           </a:xfrm>
         </p:spPr>
         <p:txBody>
@@ -15079,7 +15279,7 @@
               <a:buNone/>
             </a:pPr>
             <a:r>
-              <a:rPr lang="en-US" sz="3000" dirty="0" smtClean="0">
+              <a:rPr lang="en-US" sz="2800" dirty="0">
                 <a:solidFill>
                   <a:schemeClr val="tx2"/>
                 </a:solidFill>
@@ -15087,11 +15287,11 @@
               <a:t>Frontend</a:t>
             </a:r>
             <a:r>
-              <a:rPr lang="en-US" sz="3000" dirty="0" smtClean="0"/>
+              <a:rPr lang="en-US" sz="2800" dirty="0"/>
               <a:t>          </a:t>
             </a:r>
             <a:r>
-              <a:rPr lang="en-US" sz="3000" dirty="0" smtClean="0">
+              <a:rPr lang="en-US" sz="2800" dirty="0">
                 <a:solidFill>
                   <a:schemeClr val="bg2"/>
                 </a:solidFill>
@@ -15103,7 +15303,7 @@
             <a:pPr marL="0" indent="0">
               <a:buNone/>
             </a:pPr>
-            <a:endParaRPr lang="en-US" sz="3000" dirty="0" smtClean="0">
+            <a:endParaRPr lang="en-US" sz="2800" dirty="0">
               <a:solidFill>
                 <a:schemeClr val="tx2"/>
               </a:solidFill>
@@ -15114,7 +15314,7 @@
               <a:buNone/>
             </a:pPr>
             <a:r>
-              <a:rPr lang="en-US" sz="3000" dirty="0" smtClean="0">
+              <a:rPr lang="en-US" sz="2800" dirty="0">
                 <a:solidFill>
                   <a:schemeClr val="tx2"/>
                 </a:solidFill>
@@ -15122,7 +15322,7 @@
               <a:t>Backend          </a:t>
             </a:r>
             <a:r>
-              <a:rPr lang="en-US" sz="3000" dirty="0" smtClean="0">
+              <a:rPr lang="en-US" sz="2800" dirty="0">
                 <a:solidFill>
                   <a:schemeClr val="bg2"/>
                 </a:solidFill>
@@ -15134,14 +15334,14 @@
             <a:pPr marL="0" indent="0">
               <a:buNone/>
             </a:pPr>
-            <a:endParaRPr lang="en-US" sz="3000" dirty="0" smtClean="0"/>
+            <a:endParaRPr lang="en-US" sz="2800" dirty="0"/>
           </a:p>
           <a:p>
             <a:pPr marL="0" indent="0">
               <a:buNone/>
             </a:pPr>
             <a:r>
-              <a:rPr lang="en-US" sz="3000" dirty="0" smtClean="0">
+              <a:rPr lang="en-US" sz="2800" dirty="0">
                 <a:solidFill>
                   <a:schemeClr val="tx2"/>
                 </a:solidFill>
@@ -15149,11 +15349,11 @@
               <a:t>Database </a:t>
             </a:r>
             <a:r>
-              <a:rPr lang="en-US" sz="3000" dirty="0" smtClean="0"/>
+              <a:rPr lang="en-US" sz="2800" dirty="0"/>
               <a:t>        </a:t>
             </a:r>
             <a:r>
-              <a:rPr lang="en-US" sz="3000" dirty="0" smtClean="0">
+              <a:rPr lang="en-US" sz="2800" dirty="0">
                 <a:solidFill>
                   <a:schemeClr val="bg2"/>
                 </a:solidFill>
@@ -15165,14 +15365,14 @@
             <a:pPr marL="0" indent="0">
               <a:buNone/>
             </a:pPr>
-            <a:endParaRPr lang="en-US" sz="3000" dirty="0" smtClean="0"/>
+            <a:endParaRPr lang="en-US" sz="2800" dirty="0"/>
           </a:p>
           <a:p>
             <a:pPr marL="0" indent="0">
               <a:buNone/>
             </a:pPr>
             <a:r>
-              <a:rPr lang="en-US" sz="3000" dirty="0" smtClean="0">
+              <a:rPr lang="en-US" sz="2800" dirty="0">
                 <a:solidFill>
                   <a:srgbClr val="FFC000"/>
                 </a:solidFill>
@@ -15180,7 +15380,7 @@
               <a:t>ORM Mapping </a:t>
             </a:r>
             <a:r>
-              <a:rPr lang="en-US" sz="3000" dirty="0" smtClean="0">
+              <a:rPr lang="en-US" sz="2800" dirty="0" smtClean="0">
                 <a:solidFill>
                   <a:schemeClr val="bg2"/>
                 </a:solidFill>
@@ -15192,7 +15392,43 @@
             <a:pPr marL="0" indent="0">
               <a:buNone/>
             </a:pPr>
-            <a:endParaRPr lang="en-US" sz="3000" dirty="0"/>
+            <a:endParaRPr lang="en-US" sz="2800" dirty="0" smtClean="0">
+              <a:solidFill>
+                <a:schemeClr val="bg2"/>
+              </a:solidFill>
+            </a:endParaRPr>
+          </a:p>
+          <a:p>
+            <a:pPr marL="0" indent="0">
+              <a:buNone/>
+            </a:pPr>
+            <a:r>
+              <a:rPr lang="en-US" sz="2800" dirty="0" smtClean="0">
+                <a:solidFill>
+                  <a:srgbClr val="FFC000"/>
+                </a:solidFill>
+              </a:rPr>
+              <a:t>Unit Testing     </a:t>
+            </a:r>
+            <a:r>
+              <a:rPr lang="en-US" sz="2800" dirty="0" smtClean="0">
+                <a:solidFill>
+                  <a:schemeClr val="bg2"/>
+                </a:solidFill>
+              </a:rPr>
+              <a:t>JUNIT</a:t>
+            </a:r>
+            <a:endParaRPr lang="en-US" sz="2800" dirty="0">
+              <a:solidFill>
+                <a:schemeClr val="bg2"/>
+              </a:solidFill>
+            </a:endParaRPr>
+          </a:p>
+          <a:p>
+            <a:pPr marL="0" indent="0">
+              <a:buNone/>
+            </a:pPr>
+            <a:endParaRPr lang="en-US" sz="2800" dirty="0"/>
           </a:p>
         </p:txBody>
       </p:sp>
@@ -15248,7 +15484,7 @@
             <a:fld id="{D495E168-DA5E-4888-8D8A-92B118324C14}" type="slidenum">
               <a:rPr lang="ru-RU" smtClean="0"/>
               <a:pPr/>
-              <a:t>8</a:t>
+              <a:t>7</a:t>
             </a:fld>
             <a:endParaRPr lang="ru-RU" dirty="0"/>
           </a:p>
@@ -15258,6 +15494,193 @@
     <p:extLst>
       <p:ext uri="{BB962C8B-B14F-4D97-AF65-F5344CB8AC3E}">
         <p14:creationId xmlns:p14="http://schemas.microsoft.com/office/powerpoint/2010/main" val="2970926910"/>
+      </p:ext>
+    </p:extLst>
+  </p:cSld>
+  <p:clrMapOvr>
+    <a:masterClrMapping/>
+  </p:clrMapOvr>
+</p:sld>
+</file>
+
+<file path=ppt/slides/slide8.xml><?xml version="1.0" encoding="utf-8"?>
+<p:sld xmlns:a="http://schemas.openxmlformats.org/drawingml/2006/main" xmlns:r="http://schemas.openxmlformats.org/officeDocument/2006/relationships" xmlns:p="http://schemas.openxmlformats.org/presentationml/2006/main">
+  <p:cSld>
+    <p:spTree>
+      <p:nvGrpSpPr>
+        <p:cNvPr id="1" name=""/>
+        <p:cNvGrpSpPr/>
+        <p:nvPr/>
+      </p:nvGrpSpPr>
+      <p:grpSpPr>
+        <a:xfrm>
+          <a:off x="0" y="0"/>
+          <a:ext cx="0" cy="0"/>
+          <a:chOff x="0" y="0"/>
+          <a:chExt cx="0" cy="0"/>
+        </a:xfrm>
+      </p:grpSpPr>
+      <p:sp>
+        <p:nvSpPr>
+          <p:cNvPr id="2" name="Slide Number Placeholder 1">
+            <a:extLst>
+              <a:ext uri="{FF2B5EF4-FFF2-40B4-BE49-F238E27FC236}">
+                <a16:creationId xmlns:a16="http://schemas.microsoft.com/office/drawing/2014/main" xmlns="" id="{4AE969A8-C885-A2EC-73F4-931A7E020C26}"/>
+              </a:ext>
+            </a:extLst>
+          </p:cNvPr>
+          <p:cNvSpPr>
+            <a:spLocks noGrp="1"/>
+          </p:cNvSpPr>
+          <p:nvPr>
+            <p:ph type="sldNum" sz="quarter" idx="10"/>
+          </p:nvPr>
+        </p:nvSpPr>
+        <p:spPr/>
+        <p:txBody>
+          <a:bodyPr/>
+          <a:lstStyle/>
+          <a:p>
+            <a:fld id="{D495E168-DA5E-4888-8D8A-92B118324C14}" type="slidenum">
+              <a:rPr lang="ru-RU" smtClean="0"/>
+              <a:pPr/>
+              <a:t>8</a:t>
+            </a:fld>
+            <a:endParaRPr lang="ru-RU" dirty="0"/>
+          </a:p>
+        </p:txBody>
+      </p:sp>
+      <p:sp>
+        <p:nvSpPr>
+          <p:cNvPr id="3" name="Title 2">
+            <a:extLst>
+              <a:ext uri="{FF2B5EF4-FFF2-40B4-BE49-F238E27FC236}">
+                <a16:creationId xmlns:a16="http://schemas.microsoft.com/office/drawing/2014/main" xmlns="" id="{CFE905A8-38AC-9418-2A07-A986DAE25579}"/>
+              </a:ext>
+            </a:extLst>
+          </p:cNvPr>
+          <p:cNvSpPr>
+            <a:spLocks noGrp="1"/>
+          </p:cNvSpPr>
+          <p:nvPr>
+            <p:ph type="title"/>
+          </p:nvPr>
+        </p:nvSpPr>
+        <p:spPr/>
+        <p:txBody>
+          <a:bodyPr/>
+          <a:lstStyle/>
+          <a:p>
+            <a:r>
+              <a:rPr lang="en-IN" dirty="0"/>
+              <a:t>THINGS IMPLEMENTED</a:t>
+            </a:r>
+          </a:p>
+        </p:txBody>
+      </p:sp>
+      <p:sp>
+        <p:nvSpPr>
+          <p:cNvPr id="4" name="Content Placeholder 3">
+            <a:extLst>
+              <a:ext uri="{FF2B5EF4-FFF2-40B4-BE49-F238E27FC236}">
+                <a16:creationId xmlns:a16="http://schemas.microsoft.com/office/drawing/2014/main" xmlns="" id="{95FBA685-2E94-22B8-71CA-C909BB4B368D}"/>
+              </a:ext>
+            </a:extLst>
+          </p:cNvPr>
+          <p:cNvSpPr>
+            <a:spLocks noGrp="1"/>
+          </p:cNvSpPr>
+          <p:nvPr>
+            <p:ph idx="1"/>
+          </p:nvPr>
+        </p:nvSpPr>
+        <p:spPr/>
+        <p:txBody>
+          <a:bodyPr>
+            <a:normAutofit fontScale="92500" lnSpcReduction="10000"/>
+          </a:bodyPr>
+          <a:lstStyle/>
+          <a:p>
+            <a:r>
+              <a:rPr lang="en-US" dirty="0"/>
+              <a:t>React UI : Frontend is Developed with React UI </a:t>
+            </a:r>
+          </a:p>
+          <a:p>
+            <a:r>
+              <a:rPr lang="en-US" dirty="0"/>
+              <a:t>Microservice : Has 3 </a:t>
+            </a:r>
+            <a:r>
+              <a:rPr lang="en-US" dirty="0" err="1"/>
+              <a:t>MicroService</a:t>
+            </a:r>
+            <a:r>
+              <a:rPr lang="en-US" dirty="0"/>
+              <a:t> -Doctor -Appointment –Availability</a:t>
+            </a:r>
+          </a:p>
+          <a:p>
+            <a:r>
+              <a:rPr lang="en-US" dirty="0"/>
+              <a:t>Hibernate JPA : Each Microservice is connected to A Separate Database -Doctor - </a:t>
+            </a:r>
+            <a:r>
+              <a:rPr lang="en-US" dirty="0" err="1"/>
+              <a:t>MongoDb</a:t>
+            </a:r>
+            <a:r>
+              <a:rPr lang="en-US" dirty="0"/>
+              <a:t> -Appointment - MySQL -Availability – MySQL</a:t>
+            </a:r>
+          </a:p>
+          <a:p>
+            <a:r>
+              <a:rPr lang="en-US" dirty="0" err="1"/>
+              <a:t>MicroService</a:t>
+            </a:r>
+            <a:r>
+              <a:rPr lang="en-US" dirty="0"/>
+              <a:t> Communication :Appointment </a:t>
+            </a:r>
+            <a:r>
+              <a:rPr lang="en-US" dirty="0" err="1"/>
+              <a:t>ms</a:t>
+            </a:r>
+            <a:r>
+              <a:rPr lang="en-US" dirty="0"/>
+              <a:t> &amp; Availability </a:t>
+            </a:r>
+            <a:r>
+              <a:rPr lang="en-US" dirty="0" err="1"/>
+              <a:t>ms</a:t>
+            </a:r>
+            <a:r>
+              <a:rPr lang="en-US" dirty="0"/>
+              <a:t> Communicate With Each other to Know if There is Availability for a Doctor if true then Appointment is booked &amp; details stored in Database</a:t>
+            </a:r>
+          </a:p>
+          <a:p>
+            <a:r>
+              <a:rPr lang="en-US" dirty="0"/>
+              <a:t>Docker : </a:t>
+            </a:r>
+            <a:r>
+              <a:rPr lang="en-US" dirty="0" err="1"/>
+              <a:t>Dockerised</a:t>
+            </a:r>
+            <a:r>
+              <a:rPr lang="en-US" dirty="0"/>
+              <a:t> React, Microservices &amp; Databases Individually</a:t>
+            </a:r>
+            <a:endParaRPr lang="en-IN" dirty="0"/>
+          </a:p>
+        </p:txBody>
+      </p:sp>
+    </p:spTree>
+    <p:extLst>
+      <p:ext uri="{BB962C8B-B14F-4D97-AF65-F5344CB8AC3E}">
+        <p14:creationId xmlns:p14="http://schemas.microsoft.com/office/powerpoint/2010/main" val="978454376"/>
       </p:ext>
     </p:extLst>
   </p:cSld>
@@ -15284,35 +15707,42 @@
           <a:chExt cx="0" cy="0"/>
         </a:xfrm>
       </p:grpSpPr>
-      <p:pic>
-        <p:nvPicPr>
-          <p:cNvPr id="23" name="Picture Placeholder 22" descr="Low Angle View of Office Building Against Blue Sky">
-            <a:extLst>
-              <a:ext uri="{FF2B5EF4-FFF2-40B4-BE49-F238E27FC236}">
-                <a16:creationId xmlns:a16="http://schemas.microsoft.com/office/drawing/2014/main" xmlns="" id="{40946D55-3A70-4E32-99AB-8D71063AAEDE}"/>
-              </a:ext>
-            </a:extLst>
-          </p:cNvPr>
-          <p:cNvPicPr>
-            <a:picLocks noGrp="1" noChangeAspect="1"/>
-          </p:cNvPicPr>
+      <p:sp>
+        <p:nvSpPr>
+          <p:cNvPr id="2" name="Slide Number Placeholder 1">
+            <a:extLst>
+              <a:ext uri="{FF2B5EF4-FFF2-40B4-BE49-F238E27FC236}">
+                <a16:creationId xmlns:a16="http://schemas.microsoft.com/office/drawing/2014/main" xmlns="" id="{27680540-4441-571A-DEEC-61EC5A37945D}"/>
+              </a:ext>
+            </a:extLst>
+          </p:cNvPr>
+          <p:cNvSpPr>
+            <a:spLocks noGrp="1"/>
+          </p:cNvSpPr>
           <p:nvPr>
-            <p:ph type="pic" sz="quarter" idx="26"/>
+            <p:ph type="sldNum" sz="quarter" idx="10"/>
           </p:nvPr>
-        </p:nvPicPr>
-        <p:blipFill rotWithShape="1">
-          <a:blip r:embed="rId2"/>
-          <a:srcRect l="2749" r="2749"/>
-          <a:stretch/>
-        </p:blipFill>
+        </p:nvSpPr>
         <p:spPr/>
-      </p:pic>
-      <p:sp>
-        <p:nvSpPr>
-          <p:cNvPr id="2" name="Title 1">
-            <a:extLst>
-              <a:ext uri="{FF2B5EF4-FFF2-40B4-BE49-F238E27FC236}">
-                <a16:creationId xmlns:a16="http://schemas.microsoft.com/office/drawing/2014/main" xmlns="" id="{D110F751-9975-4653-9855-BA1C7499B75F}"/>
+        <p:txBody>
+          <a:bodyPr/>
+          <a:lstStyle/>
+          <a:p>
+            <a:fld id="{D495E168-DA5E-4888-8D8A-92B118324C14}" type="slidenum">
+              <a:rPr lang="ru-RU" smtClean="0"/>
+              <a:pPr/>
+              <a:t>9</a:t>
+            </a:fld>
+            <a:endParaRPr lang="ru-RU" dirty="0"/>
+          </a:p>
+        </p:txBody>
+      </p:sp>
+      <p:sp>
+        <p:nvSpPr>
+          <p:cNvPr id="3" name="Title 2">
+            <a:extLst>
+              <a:ext uri="{FF2B5EF4-FFF2-40B4-BE49-F238E27FC236}">
+                <a16:creationId xmlns:a16="http://schemas.microsoft.com/office/drawing/2014/main" xmlns="" id="{C9EF1FBD-AE38-99EC-7416-AD56FCA91FCC}"/>
               </a:ext>
             </a:extLst>
           </p:cNvPr>
@@ -15330,25 +15760,18 @@
           <a:p>
             <a:r>
               <a:rPr lang="en-US" dirty="0"/>
-              <a:t>THANK</a:t>
-            </a:r>
-            <a:br>
-              <a:rPr lang="en-US" dirty="0"/>
-            </a:br>
-            <a:r>
-              <a:rPr lang="en-US" dirty="0"/>
-              <a:t>YOU!</a:t>
-            </a:r>
-            <a:endParaRPr lang="ru-RU" dirty="0"/>
-          </a:p>
-        </p:txBody>
-      </p:sp>
-      <p:sp>
-        <p:nvSpPr>
-          <p:cNvPr id="3" name="Text Placeholder 2">
-            <a:extLst>
-              <a:ext uri="{FF2B5EF4-FFF2-40B4-BE49-F238E27FC236}">
-                <a16:creationId xmlns:a16="http://schemas.microsoft.com/office/drawing/2014/main" xmlns="" id="{83BBFE92-CA4F-4673-B4D5-7FFF88E819E8}"/>
+              <a:t>THINGS THAT ARE YET TO BE IMPLEMENTED</a:t>
+            </a:r>
+            <a:endParaRPr lang="en-IN" dirty="0"/>
+          </a:p>
+        </p:txBody>
+      </p:sp>
+      <p:sp>
+        <p:nvSpPr>
+          <p:cNvPr id="4" name="Content Placeholder 3">
+            <a:extLst>
+              <a:ext uri="{FF2B5EF4-FFF2-40B4-BE49-F238E27FC236}">
+                <a16:creationId xmlns:a16="http://schemas.microsoft.com/office/drawing/2014/main" xmlns="" id="{9EB788DB-719C-FA7F-B329-7313E8B2B7D0}"/>
               </a:ext>
             </a:extLst>
           </p:cNvPr>
@@ -15356,7 +15779,7 @@
             <a:spLocks noGrp="1"/>
           </p:cNvSpPr>
           <p:nvPr>
-            <p:ph type="body" sz="quarter" idx="13"/>
+            <p:ph idx="1"/>
           </p:nvPr>
         </p:nvSpPr>
         <p:spPr/>
@@ -15365,63 +15788,55 @@
           <a:lstStyle/>
           <a:p>
             <a:r>
-              <a:rPr lang="en-US" dirty="0" smtClean="0"/>
-              <a:t>Snega M</a:t>
-            </a:r>
-          </a:p>
-          <a:p>
-            <a:r>
-              <a:rPr lang="en-US" dirty="0" smtClean="0"/>
-              <a:t>Vimalan S</a:t>
-            </a:r>
-          </a:p>
-          <a:p>
-            <a:r>
-              <a:rPr lang="en-US" dirty="0" smtClean="0"/>
-              <a:t>Yuvaraj D</a:t>
-            </a:r>
-            <a:endParaRPr lang="ru-RU" dirty="0"/>
-          </a:p>
-        </p:txBody>
-      </p:sp>
-      <p:sp>
-        <p:nvSpPr>
-          <p:cNvPr id="6" name="Text Placeholder 5">
-            <a:extLst>
-              <a:ext uri="{FF2B5EF4-FFF2-40B4-BE49-F238E27FC236}">
-                <a16:creationId xmlns:a16="http://schemas.microsoft.com/office/drawing/2014/main" xmlns="" id="{E976F3E4-0E67-4891-8B94-6441620D8B71}"/>
-              </a:ext>
-            </a:extLst>
-          </p:cNvPr>
-          <p:cNvSpPr>
-            <a:spLocks noGrp="1"/>
-          </p:cNvSpPr>
-          <p:nvPr>
-            <p:ph type="body" sz="quarter" idx="22"/>
-          </p:nvPr>
-        </p:nvSpPr>
-        <p:spPr>
-          <a:xfrm>
-            <a:off x="2393950" y="4013344"/>
-            <a:ext cx="4367531" cy="474519"/>
-          </a:xfrm>
-        </p:spPr>
-        <p:txBody>
-          <a:bodyPr/>
-          <a:lstStyle/>
-          <a:p>
-            <a:r>
-              <a:rPr lang="en-IN" dirty="0" smtClean="0"/>
-              <a:t> </a:t>
-            </a:r>
-            <a:endParaRPr lang="ru-RU" dirty="0"/>
+              <a:rPr lang="en-US" dirty="0"/>
+              <a:t>Login </a:t>
+            </a:r>
+            <a:r>
+              <a:rPr lang="en-US" dirty="0" err="1"/>
+              <a:t>SignUp</a:t>
+            </a:r>
+            <a:r>
+              <a:rPr lang="en-US" dirty="0"/>
+              <a:t> Page : as </a:t>
+            </a:r>
+            <a:r>
+              <a:rPr lang="en-US" dirty="0" err="1"/>
+              <a:t>SpringSecurity</a:t>
+            </a:r>
+            <a:r>
+              <a:rPr lang="en-US" dirty="0"/>
+              <a:t> dependency has Features like </a:t>
+            </a:r>
+            <a:r>
+              <a:rPr lang="en-US" dirty="0" err="1"/>
+              <a:t>ThymeLeaf</a:t>
+            </a:r>
+            <a:r>
+              <a:rPr lang="en-US" dirty="0"/>
+              <a:t> &amp; </a:t>
+            </a:r>
+            <a:r>
+              <a:rPr lang="en-US" dirty="0" err="1"/>
+              <a:t>Oauth</a:t>
+            </a:r>
+            <a:r>
+              <a:rPr lang="en-US" dirty="0"/>
+              <a:t> have to Research on it and Implement Login Signup</a:t>
+            </a:r>
+          </a:p>
+          <a:p>
+            <a:r>
+              <a:rPr lang="en-US" dirty="0"/>
+              <a:t>Unit Testing : Unit Test with help of JUnit Needs to be Implemented</a:t>
+            </a:r>
+            <a:endParaRPr lang="en-IN" dirty="0"/>
           </a:p>
         </p:txBody>
       </p:sp>
     </p:spTree>
     <p:extLst>
       <p:ext uri="{BB962C8B-B14F-4D97-AF65-F5344CB8AC3E}">
-        <p14:creationId xmlns:p14="http://schemas.microsoft.com/office/powerpoint/2010/main" val="2314201511"/>
+        <p14:creationId xmlns:p14="http://schemas.microsoft.com/office/powerpoint/2010/main" val="1144647441"/>
       </p:ext>
     </p:extLst>
   </p:cSld>
@@ -16242,15 +16657,6 @@
 </file>
 
 <file path=customXml/item1.xml><?xml version="1.0" encoding="utf-8"?>
-<?mso-contentType ?>
-<FormTemplates xmlns="http://schemas.microsoft.com/sharepoint/v3/contenttype/forms">
-  <Display>DocumentLibraryForm</Display>
-  <Edit>DocumentLibraryForm</Edit>
-  <New>DocumentLibraryForm</New>
-</FormTemplates>
-</file>
-
-<file path=customXml/item2.xml><?xml version="1.0" encoding="utf-8"?>
 <ct:contentTypeSchema xmlns:ct="http://schemas.microsoft.com/office/2006/metadata/contentType" xmlns:ma="http://schemas.microsoft.com/office/2006/metadata/properties/metaAttributes" ct:_="" ma:_="" ma:contentTypeName="Document" ma:contentTypeID="0x010100DEEA25CC0A0AC24199CDC46C25B8B0BC" ma:contentTypeVersion="10" ma:contentTypeDescription="Create a new document." ma:contentTypeScope="" ma:versionID="e3b47856d4cf355c0dacb39e1084d14f">
   <xsd:schema xmlns:xsd="http://www.w3.org/2001/XMLSchema" xmlns:xs="http://www.w3.org/2001/XMLSchema" xmlns:p="http://schemas.microsoft.com/office/2006/metadata/properties" xmlns:ns1="http://schemas.microsoft.com/sharepoint/v3" xmlns:ns2="6dc4bcd6-49db-4c07-9060-8acfc67cef9f" xmlns:ns3="fb0879af-3eba-417a-a55a-ffe6dcd6ca77" targetNamespace="http://schemas.microsoft.com/office/2006/metadata/properties" ma:root="true" ma:fieldsID="a845a615265fdb1f7b12cc65ac20ecbd" ns1:_="" ns2:_="" ns3:_="">
     <xsd:import namespace="http://schemas.microsoft.com/sharepoint/v3"/>
@@ -16458,7 +16864,7 @@
 </ct:contentTypeSchema>
 </file>
 
-<file path=customXml/item3.xml><?xml version="1.0" encoding="utf-8"?>
+<file path=customXml/item2.xml><?xml version="1.0" encoding="utf-8"?>
 <p:properties xmlns:p="http://schemas.microsoft.com/office/2006/metadata/properties" xmlns:xsi="http://www.w3.org/2001/XMLSchema-instance" xmlns:pc="http://schemas.microsoft.com/office/infopath/2007/PartnerControls">
   <documentManagement>
     <_ip_UnifiedCompliancePolicyUIAction xmlns="http://schemas.microsoft.com/sharepoint/v3" xsi:nil="true"/>
@@ -16467,15 +16873,16 @@
 </p:properties>
 </file>
 
-<file path=customXml/itemProps1.xml><?xml version="1.0" encoding="utf-8"?>
-<ds:datastoreItem xmlns:ds="http://schemas.openxmlformats.org/officeDocument/2006/customXml" ds:itemID="{8C5154C8-4BB5-43F2-9F6C-5E79271A0D50}">
-  <ds:schemaRefs>
-    <ds:schemaRef ds:uri="http://schemas.microsoft.com/sharepoint/v3/contenttype/forms"/>
-  </ds:schemaRefs>
-</ds:datastoreItem>
+<file path=customXml/item3.xml><?xml version="1.0" encoding="utf-8"?>
+<?mso-contentType ?>
+<FormTemplates xmlns="http://schemas.microsoft.com/sharepoint/v3/contenttype/forms">
+  <Display>DocumentLibraryForm</Display>
+  <Edit>DocumentLibraryForm</Edit>
+  <New>DocumentLibraryForm</New>
+</FormTemplates>
 </file>
 
-<file path=customXml/itemProps2.xml><?xml version="1.0" encoding="utf-8"?>
+<file path=customXml/itemProps1.xml><?xml version="1.0" encoding="utf-8"?>
 <ds:datastoreItem xmlns:ds="http://schemas.openxmlformats.org/officeDocument/2006/customXml" ds:itemID="{F2807890-83DC-4772-9CAD-F7CB30099A10}">
   <ds:schemaRefs>
     <ds:schemaRef ds:uri="http://schemas.microsoft.com/office/2006/metadata/contentType"/>
@@ -16495,7 +16902,7 @@
 </ds:datastoreItem>
 </file>
 
-<file path=customXml/itemProps3.xml><?xml version="1.0" encoding="utf-8"?>
+<file path=customXml/itemProps2.xml><?xml version="1.0" encoding="utf-8"?>
 <ds:datastoreItem xmlns:ds="http://schemas.openxmlformats.org/officeDocument/2006/customXml" ds:itemID="{947A0EF5-23A9-4627-BC46-745B7DD804D2}">
   <ds:schemaRefs>
     <ds:schemaRef ds:uri="http://schemas.microsoft.com/office/2006/metadata/properties"/>
@@ -16503,4 +16910,12 @@
     <ds:schemaRef ds:uri="http://schemas.microsoft.com/sharepoint/v3"/>
   </ds:schemaRefs>
 </ds:datastoreItem>
+</file>
+
+<file path=customXml/itemProps3.xml><?xml version="1.0" encoding="utf-8"?>
+<ds:datastoreItem xmlns:ds="http://schemas.openxmlformats.org/officeDocument/2006/customXml" ds:itemID="{8C5154C8-4BB5-43F2-9F6C-5E79271A0D50}">
+  <ds:schemaRefs>
+    <ds:schemaRef ds:uri="http://schemas.microsoft.com/sharepoint/v3/contenttype/forms"/>
+  </ds:schemaRefs>
+</ds:datastoreItem>
 </file>